--- a/delivery/区块链投资防骗指南 v1.0.pptx
+++ b/delivery/区块链投资防骗指南 v1.0.pptx
@@ -5,7 +5,7 @@
     <p:sldMasterId id="2147483648" r:id="rId1"/>
   </p:sldMasterIdLst>
   <p:notesMasterIdLst>
-    <p:notesMasterId r:id="rId32"/>
+    <p:notesMasterId r:id="rId33"/>
   </p:notesMasterIdLst>
   <p:sldIdLst>
     <p:sldId id="1845" r:id="rId2"/>
@@ -23,26 +23,27 @@
     <p:sldId id="1736" r:id="rId14"/>
     <p:sldId id="1727" r:id="rId15"/>
     <p:sldId id="285" r:id="rId16"/>
-    <p:sldId id="1836" r:id="rId17"/>
-    <p:sldId id="1832" r:id="rId18"/>
-    <p:sldId id="1822" r:id="rId19"/>
-    <p:sldId id="1853" r:id="rId20"/>
-    <p:sldId id="1852" r:id="rId21"/>
-    <p:sldId id="1860" r:id="rId22"/>
-    <p:sldId id="1855" r:id="rId23"/>
-    <p:sldId id="1848" r:id="rId24"/>
-    <p:sldId id="1849" r:id="rId25"/>
-    <p:sldId id="1851" r:id="rId26"/>
-    <p:sldId id="1863" r:id="rId27"/>
-    <p:sldId id="1833" r:id="rId28"/>
-    <p:sldId id="1861" r:id="rId29"/>
-    <p:sldId id="1846" r:id="rId30"/>
-    <p:sldId id="1862" r:id="rId31"/>
+    <p:sldId id="1864" r:id="rId17"/>
+    <p:sldId id="1836" r:id="rId18"/>
+    <p:sldId id="1832" r:id="rId19"/>
+    <p:sldId id="1822" r:id="rId20"/>
+    <p:sldId id="1853" r:id="rId21"/>
+    <p:sldId id="1852" r:id="rId22"/>
+    <p:sldId id="1860" r:id="rId23"/>
+    <p:sldId id="1855" r:id="rId24"/>
+    <p:sldId id="1848" r:id="rId25"/>
+    <p:sldId id="1849" r:id="rId26"/>
+    <p:sldId id="1851" r:id="rId27"/>
+    <p:sldId id="1863" r:id="rId28"/>
+    <p:sldId id="1833" r:id="rId29"/>
+    <p:sldId id="1861" r:id="rId30"/>
+    <p:sldId id="1846" r:id="rId31"/>
+    <p:sldId id="1862" r:id="rId32"/>
   </p:sldIdLst>
   <p:sldSz cx="12192000" cy="6858000"/>
   <p:notesSz cx="6858000" cy="9144000"/>
   <p:custDataLst>
-    <p:tags r:id="rId33"/>
+    <p:tags r:id="rId34"/>
   </p:custDataLst>
   <p:defaultTextStyle>
     <a:defPPr>
@@ -1010,7 +1011,7 @@
         <a:lstStyle/>
         <a:p>
           <a:r>
-            <a:rPr lang="zh-CN" altLang="en-US" sz="4400" smtClean="0">
+            <a:rPr lang="zh-CN" altLang="en-US" sz="4400" dirty="0" smtClean="0">
               <a:solidFill>
                 <a:schemeClr val="bg1"/>
               </a:solidFill>
@@ -1051,8 +1052,8 @@
       <dgm:prSet phldrT="[文本]" custT="1"/>
       <dgm:spPr>
         <a:solidFill>
-          <a:schemeClr val="accent1">
-            <a:lumMod val="50000"/>
+          <a:schemeClr val="accent2">
+            <a:lumMod val="75000"/>
           </a:schemeClr>
         </a:solidFill>
       </dgm:spPr>
@@ -1095,6 +1096,54 @@
         </a:p>
       </dgm:t>
     </dgm:pt>
+    <dgm:pt modelId="{60A479AD-33B6-46CE-90D7-0DF842A33FC0}">
+      <dgm:prSet phldrT="[文本]" custT="1"/>
+      <dgm:spPr>
+        <a:solidFill>
+          <a:schemeClr val="accent2">
+            <a:lumMod val="50000"/>
+          </a:schemeClr>
+        </a:solidFill>
+      </dgm:spPr>
+      <dgm:t>
+        <a:bodyPr/>
+        <a:lstStyle/>
+        <a:p>
+          <a:pPr>
+            <a:lnSpc>
+              <a:spcPct val="100000"/>
+            </a:lnSpc>
+          </a:pPr>
+          <a:endParaRPr lang="zh-CN" altLang="en-US" sz="2800" dirty="0">
+            <a:solidFill>
+              <a:schemeClr val="bg1"/>
+            </a:solidFill>
+          </a:endParaRPr>
+        </a:p>
+      </dgm:t>
+    </dgm:pt>
+    <dgm:pt modelId="{2FF9F19F-64B7-4984-B2F7-6A7467D4B8C3}" type="parTrans" cxnId="{641B6735-AF57-45F1-87D8-6B4CAE561FCF}">
+      <dgm:prSet/>
+      <dgm:spPr/>
+      <dgm:t>
+        <a:bodyPr/>
+        <a:lstStyle/>
+        <a:p>
+          <a:endParaRPr lang="zh-CN" altLang="en-US"/>
+        </a:p>
+      </dgm:t>
+    </dgm:pt>
+    <dgm:pt modelId="{A9AE7ABC-9F5C-45F9-BACC-C0B047931362}" type="sibTrans" cxnId="{641B6735-AF57-45F1-87D8-6B4CAE561FCF}">
+      <dgm:prSet/>
+      <dgm:spPr/>
+      <dgm:t>
+        <a:bodyPr/>
+        <a:lstStyle/>
+        <a:p>
+          <a:endParaRPr lang="zh-CN" altLang="en-US"/>
+        </a:p>
+      </dgm:t>
+    </dgm:pt>
     <dgm:pt modelId="{FF7AD6FD-FE95-420E-99EB-F108DF6EB3A7}" type="pres">
       <dgm:prSet presAssocID="{53D3F46C-417E-43B2-ACF7-76DF2F78100B}" presName="Name0" presStyleCnt="0">
         <dgm:presLayoutVars>
@@ -1105,12 +1154,48 @@
       </dgm:prSet>
       <dgm:spPr/>
     </dgm:pt>
+    <dgm:pt modelId="{E143EDB2-BB98-48BC-954F-BE6F76DEA6A4}" type="pres">
+      <dgm:prSet presAssocID="{60A479AD-33B6-46CE-90D7-0DF842A33FC0}" presName="Name8" presStyleCnt="0"/>
+      <dgm:spPr/>
+    </dgm:pt>
+    <dgm:pt modelId="{E4ED3E77-4300-4A8C-A251-B708ECC863D9}" type="pres">
+      <dgm:prSet presAssocID="{60A479AD-33B6-46CE-90D7-0DF842A33FC0}" presName="level" presStyleLbl="node1" presStyleIdx="0" presStyleCnt="4">
+        <dgm:presLayoutVars>
+          <dgm:chMax val="1"/>
+          <dgm:bulletEnabled val="1"/>
+        </dgm:presLayoutVars>
+      </dgm:prSet>
+      <dgm:spPr/>
+      <dgm:t>
+        <a:bodyPr/>
+        <a:lstStyle/>
+        <a:p>
+          <a:endParaRPr lang="zh-CN" altLang="en-US"/>
+        </a:p>
+      </dgm:t>
+    </dgm:pt>
+    <dgm:pt modelId="{CFBC173D-F0EC-49F4-8A39-356FF1E6686E}" type="pres">
+      <dgm:prSet presAssocID="{60A479AD-33B6-46CE-90D7-0DF842A33FC0}" presName="levelTx" presStyleLbl="revTx" presStyleIdx="0" presStyleCnt="0">
+        <dgm:presLayoutVars>
+          <dgm:chMax val="1"/>
+          <dgm:bulletEnabled val="1"/>
+        </dgm:presLayoutVars>
+      </dgm:prSet>
+      <dgm:spPr/>
+      <dgm:t>
+        <a:bodyPr/>
+        <a:lstStyle/>
+        <a:p>
+          <a:endParaRPr lang="zh-CN" altLang="en-US"/>
+        </a:p>
+      </dgm:t>
+    </dgm:pt>
     <dgm:pt modelId="{6767DC18-EA4A-4B3B-8A1C-7F286C08C358}" type="pres">
       <dgm:prSet presAssocID="{F0D5AF1C-B7D8-420C-A91B-1C1005148359}" presName="Name8" presStyleCnt="0"/>
       <dgm:spPr/>
     </dgm:pt>
     <dgm:pt modelId="{684E2742-E399-4D3A-B15C-175E39D5801E}" type="pres">
-      <dgm:prSet presAssocID="{F0D5AF1C-B7D8-420C-A91B-1C1005148359}" presName="level" presStyleLbl="node1" presStyleIdx="0" presStyleCnt="3">
+      <dgm:prSet presAssocID="{F0D5AF1C-B7D8-420C-A91B-1C1005148359}" presName="level" presStyleLbl="node1" presStyleIdx="1" presStyleCnt="4">
         <dgm:presLayoutVars>
           <dgm:chMax val="1"/>
           <dgm:bulletEnabled val="1"/>
@@ -1146,7 +1231,7 @@
       <dgm:spPr/>
     </dgm:pt>
     <dgm:pt modelId="{60E53AEF-8F6B-4C7F-AB46-6EA5B6B96B32}" type="pres">
-      <dgm:prSet presAssocID="{EFCA6C8F-92D8-454B-B6B4-1FC3F74D7FD8}" presName="level" presStyleLbl="node1" presStyleIdx="1" presStyleCnt="3">
+      <dgm:prSet presAssocID="{EFCA6C8F-92D8-454B-B6B4-1FC3F74D7FD8}" presName="level" presStyleLbl="node1" presStyleIdx="2" presStyleCnt="4">
         <dgm:presLayoutVars>
           <dgm:chMax val="1"/>
           <dgm:bulletEnabled val="1"/>
@@ -1182,7 +1267,7 @@
       <dgm:spPr/>
     </dgm:pt>
     <dgm:pt modelId="{B612A902-8D48-4611-8395-B56321552D94}" type="pres">
-      <dgm:prSet presAssocID="{C275CC2D-BF6B-4E3D-AA16-415FA5E52962}" presName="level" presStyleLbl="node1" presStyleIdx="2" presStyleCnt="3">
+      <dgm:prSet presAssocID="{C275CC2D-BF6B-4E3D-AA16-415FA5E52962}" presName="level" presStyleLbl="node1" presStyleIdx="3" presStyleCnt="4">
         <dgm:presLayoutVars>
           <dgm:chMax val="1"/>
           <dgm:bulletEnabled val="1"/>
@@ -1215,23 +1300,29 @@
     </dgm:pt>
   </dgm:ptLst>
   <dgm:cxnLst>
+    <dgm:cxn modelId="{ECD0F411-7AA5-45D4-989E-290A04AACDC8}" type="presOf" srcId="{53D3F46C-417E-43B2-ACF7-76DF2F78100B}" destId="{FF7AD6FD-FE95-420E-99EB-F108DF6EB3A7}" srcOrd="0" destOrd="0" presId="urn:microsoft.com/office/officeart/2005/8/layout/pyramid1"/>
+    <dgm:cxn modelId="{AD6A0A1B-F06E-4A55-8415-8A54B1B6326C}" type="presOf" srcId="{EFCA6C8F-92D8-454B-B6B4-1FC3F74D7FD8}" destId="{D50B72C1-5049-43BD-85EA-55026406DDC7}" srcOrd="1" destOrd="0" presId="urn:microsoft.com/office/officeart/2005/8/layout/pyramid1"/>
+    <dgm:cxn modelId="{F6674B90-82CA-4CC5-9808-9ECD1A03F3A2}" type="presOf" srcId="{60A479AD-33B6-46CE-90D7-0DF842A33FC0}" destId="{CFBC173D-F0EC-49F4-8A39-356FF1E6686E}" srcOrd="1" destOrd="0" presId="urn:microsoft.com/office/officeart/2005/8/layout/pyramid1"/>
+    <dgm:cxn modelId="{E1F67273-022A-49F8-9F60-B6B118C40425}" type="presOf" srcId="{F0D5AF1C-B7D8-420C-A91B-1C1005148359}" destId="{684E2742-E399-4D3A-B15C-175E39D5801E}" srcOrd="0" destOrd="0" presId="urn:microsoft.com/office/officeart/2005/8/layout/pyramid1"/>
+    <dgm:cxn modelId="{8344099C-419C-4791-9EDE-4D5F8D41B07D}" type="presOf" srcId="{EFCA6C8F-92D8-454B-B6B4-1FC3F74D7FD8}" destId="{60E53AEF-8F6B-4C7F-AB46-6EA5B6B96B32}" srcOrd="0" destOrd="0" presId="urn:microsoft.com/office/officeart/2005/8/layout/pyramid1"/>
+    <dgm:cxn modelId="{6666E279-83A4-49B6-B48A-5A04EE0DD90E}" srcId="{53D3F46C-417E-43B2-ACF7-76DF2F78100B}" destId="{EFCA6C8F-92D8-454B-B6B4-1FC3F74D7FD8}" srcOrd="2" destOrd="0" parTransId="{E4CAC674-BA3E-4220-A89E-8AC4B3E6BF0C}" sibTransId="{A530703B-6C07-47E2-8FFB-2FFCD73D8AF0}"/>
+    <dgm:cxn modelId="{5B14B5EC-3B51-4AA9-BB2D-085A15B6026E}" type="presOf" srcId="{C275CC2D-BF6B-4E3D-AA16-415FA5E52962}" destId="{FA84F48A-4E1B-4F57-8979-E671B99D06AC}" srcOrd="1" destOrd="0" presId="urn:microsoft.com/office/officeart/2005/8/layout/pyramid1"/>
+    <dgm:cxn modelId="{4C2A34E9-4A6E-4D5A-9D8D-1F2A0CC68D69}" srcId="{53D3F46C-417E-43B2-ACF7-76DF2F78100B}" destId="{C275CC2D-BF6B-4E3D-AA16-415FA5E52962}" srcOrd="3" destOrd="0" parTransId="{97414C2B-2AF9-494F-9FD1-DC4692FC8FA5}" sibTransId="{C49291D4-DF23-4AF2-A31A-FBAEACAD04FA}"/>
+    <dgm:cxn modelId="{641B6735-AF57-45F1-87D8-6B4CAE561FCF}" srcId="{53D3F46C-417E-43B2-ACF7-76DF2F78100B}" destId="{60A479AD-33B6-46CE-90D7-0DF842A33FC0}" srcOrd="0" destOrd="0" parTransId="{2FF9F19F-64B7-4984-B2F7-6A7467D4B8C3}" sibTransId="{A9AE7ABC-9F5C-45F9-BACC-C0B047931362}"/>
+    <dgm:cxn modelId="{D6546831-2B80-4B7A-9986-538E51D5C8FC}" type="presOf" srcId="{C275CC2D-BF6B-4E3D-AA16-415FA5E52962}" destId="{B612A902-8D48-4611-8395-B56321552D94}" srcOrd="0" destOrd="0" presId="urn:microsoft.com/office/officeart/2005/8/layout/pyramid1"/>
+    <dgm:cxn modelId="{51AD5A34-C25B-4C14-855B-48AAF01DBE5D}" type="presOf" srcId="{60A479AD-33B6-46CE-90D7-0DF842A33FC0}" destId="{E4ED3E77-4300-4A8C-A251-B708ECC863D9}" srcOrd="0" destOrd="0" presId="urn:microsoft.com/office/officeart/2005/8/layout/pyramid1"/>
+    <dgm:cxn modelId="{0CBFF79D-1F64-49A6-9C4D-F6FABEF343F9}" srcId="{53D3F46C-417E-43B2-ACF7-76DF2F78100B}" destId="{F0D5AF1C-B7D8-420C-A91B-1C1005148359}" srcOrd="1" destOrd="0" parTransId="{E6FEA86C-8DAD-4718-A2B3-F566DE592CE2}" sibTransId="{B764F6CA-C383-46EB-A7A8-1203FA64DB74}"/>
     <dgm:cxn modelId="{8FBAE47F-08EB-407A-8CAE-E452561E8A68}" type="presOf" srcId="{F0D5AF1C-B7D8-420C-A91B-1C1005148359}" destId="{22A02B6F-5D69-4E9B-B022-F45DD60E775D}" srcOrd="1" destOrd="0" presId="urn:microsoft.com/office/officeart/2005/8/layout/pyramid1"/>
-    <dgm:cxn modelId="{6666E279-83A4-49B6-B48A-5A04EE0DD90E}" srcId="{53D3F46C-417E-43B2-ACF7-76DF2F78100B}" destId="{EFCA6C8F-92D8-454B-B6B4-1FC3F74D7FD8}" srcOrd="1" destOrd="0" parTransId="{E4CAC674-BA3E-4220-A89E-8AC4B3E6BF0C}" sibTransId="{A530703B-6C07-47E2-8FFB-2FFCD73D8AF0}"/>
-    <dgm:cxn modelId="{E1F67273-022A-49F8-9F60-B6B118C40425}" type="presOf" srcId="{F0D5AF1C-B7D8-420C-A91B-1C1005148359}" destId="{684E2742-E399-4D3A-B15C-175E39D5801E}" srcOrd="0" destOrd="0" presId="urn:microsoft.com/office/officeart/2005/8/layout/pyramid1"/>
-    <dgm:cxn modelId="{ECD0F411-7AA5-45D4-989E-290A04AACDC8}" type="presOf" srcId="{53D3F46C-417E-43B2-ACF7-76DF2F78100B}" destId="{FF7AD6FD-FE95-420E-99EB-F108DF6EB3A7}" srcOrd="0" destOrd="0" presId="urn:microsoft.com/office/officeart/2005/8/layout/pyramid1"/>
-    <dgm:cxn modelId="{4C2A34E9-4A6E-4D5A-9D8D-1F2A0CC68D69}" srcId="{53D3F46C-417E-43B2-ACF7-76DF2F78100B}" destId="{C275CC2D-BF6B-4E3D-AA16-415FA5E52962}" srcOrd="2" destOrd="0" parTransId="{97414C2B-2AF9-494F-9FD1-DC4692FC8FA5}" sibTransId="{C49291D4-DF23-4AF2-A31A-FBAEACAD04FA}"/>
-    <dgm:cxn modelId="{D6546831-2B80-4B7A-9986-538E51D5C8FC}" type="presOf" srcId="{C275CC2D-BF6B-4E3D-AA16-415FA5E52962}" destId="{B612A902-8D48-4611-8395-B56321552D94}" srcOrd="0" destOrd="0" presId="urn:microsoft.com/office/officeart/2005/8/layout/pyramid1"/>
-    <dgm:cxn modelId="{0CBFF79D-1F64-49A6-9C4D-F6FABEF343F9}" srcId="{53D3F46C-417E-43B2-ACF7-76DF2F78100B}" destId="{F0D5AF1C-B7D8-420C-A91B-1C1005148359}" srcOrd="0" destOrd="0" parTransId="{E6FEA86C-8DAD-4718-A2B3-F566DE592CE2}" sibTransId="{B764F6CA-C383-46EB-A7A8-1203FA64DB74}"/>
-    <dgm:cxn modelId="{8344099C-419C-4791-9EDE-4D5F8D41B07D}" type="presOf" srcId="{EFCA6C8F-92D8-454B-B6B4-1FC3F74D7FD8}" destId="{60E53AEF-8F6B-4C7F-AB46-6EA5B6B96B32}" srcOrd="0" destOrd="0" presId="urn:microsoft.com/office/officeart/2005/8/layout/pyramid1"/>
-    <dgm:cxn modelId="{AD6A0A1B-F06E-4A55-8415-8A54B1B6326C}" type="presOf" srcId="{EFCA6C8F-92D8-454B-B6B4-1FC3F74D7FD8}" destId="{D50B72C1-5049-43BD-85EA-55026406DDC7}" srcOrd="1" destOrd="0" presId="urn:microsoft.com/office/officeart/2005/8/layout/pyramid1"/>
-    <dgm:cxn modelId="{5B14B5EC-3B51-4AA9-BB2D-085A15B6026E}" type="presOf" srcId="{C275CC2D-BF6B-4E3D-AA16-415FA5E52962}" destId="{FA84F48A-4E1B-4F57-8979-E671B99D06AC}" srcOrd="1" destOrd="0" presId="urn:microsoft.com/office/officeart/2005/8/layout/pyramid1"/>
-    <dgm:cxn modelId="{F1863A64-A5E6-420C-8AFE-D4B4F302D630}" type="presParOf" srcId="{FF7AD6FD-FE95-420E-99EB-F108DF6EB3A7}" destId="{6767DC18-EA4A-4B3B-8A1C-7F286C08C358}" srcOrd="0" destOrd="0" presId="urn:microsoft.com/office/officeart/2005/8/layout/pyramid1"/>
+    <dgm:cxn modelId="{51034C66-D2F4-425B-86F0-20CA93C76F52}" type="presParOf" srcId="{FF7AD6FD-FE95-420E-99EB-F108DF6EB3A7}" destId="{E143EDB2-BB98-48BC-954F-BE6F76DEA6A4}" srcOrd="0" destOrd="0" presId="urn:microsoft.com/office/officeart/2005/8/layout/pyramid1"/>
+    <dgm:cxn modelId="{188C1CCF-6A2D-44C5-992B-59AA4C42CD74}" type="presParOf" srcId="{E143EDB2-BB98-48BC-954F-BE6F76DEA6A4}" destId="{E4ED3E77-4300-4A8C-A251-B708ECC863D9}" srcOrd="0" destOrd="0" presId="urn:microsoft.com/office/officeart/2005/8/layout/pyramid1"/>
+    <dgm:cxn modelId="{B12E3DD0-CED3-4B7C-81F3-D773578FFC07}" type="presParOf" srcId="{E143EDB2-BB98-48BC-954F-BE6F76DEA6A4}" destId="{CFBC173D-F0EC-49F4-8A39-356FF1E6686E}" srcOrd="1" destOrd="0" presId="urn:microsoft.com/office/officeart/2005/8/layout/pyramid1"/>
+    <dgm:cxn modelId="{F1863A64-A5E6-420C-8AFE-D4B4F302D630}" type="presParOf" srcId="{FF7AD6FD-FE95-420E-99EB-F108DF6EB3A7}" destId="{6767DC18-EA4A-4B3B-8A1C-7F286C08C358}" srcOrd="1" destOrd="0" presId="urn:microsoft.com/office/officeart/2005/8/layout/pyramid1"/>
     <dgm:cxn modelId="{1AAE9E25-0C02-4340-9413-0DF72FCC218E}" type="presParOf" srcId="{6767DC18-EA4A-4B3B-8A1C-7F286C08C358}" destId="{684E2742-E399-4D3A-B15C-175E39D5801E}" srcOrd="0" destOrd="0" presId="urn:microsoft.com/office/officeart/2005/8/layout/pyramid1"/>
     <dgm:cxn modelId="{3C3C31B2-3970-4DB8-AACF-BBF1B47F94F5}" type="presParOf" srcId="{6767DC18-EA4A-4B3B-8A1C-7F286C08C358}" destId="{22A02B6F-5D69-4E9B-B022-F45DD60E775D}" srcOrd="1" destOrd="0" presId="urn:microsoft.com/office/officeart/2005/8/layout/pyramid1"/>
-    <dgm:cxn modelId="{6BEAC06F-C5CC-44F9-83D2-DDE97A75A163}" type="presParOf" srcId="{FF7AD6FD-FE95-420E-99EB-F108DF6EB3A7}" destId="{E14AB68C-B73C-447D-BC7C-EFEBE30AC20C}" srcOrd="1" destOrd="0" presId="urn:microsoft.com/office/officeart/2005/8/layout/pyramid1"/>
+    <dgm:cxn modelId="{6BEAC06F-C5CC-44F9-83D2-DDE97A75A163}" type="presParOf" srcId="{FF7AD6FD-FE95-420E-99EB-F108DF6EB3A7}" destId="{E14AB68C-B73C-447D-BC7C-EFEBE30AC20C}" srcOrd="2" destOrd="0" presId="urn:microsoft.com/office/officeart/2005/8/layout/pyramid1"/>
     <dgm:cxn modelId="{B2863417-9F6A-49B7-A578-E389B92087B4}" type="presParOf" srcId="{E14AB68C-B73C-447D-BC7C-EFEBE30AC20C}" destId="{60E53AEF-8F6B-4C7F-AB46-6EA5B6B96B32}" srcOrd="0" destOrd="0" presId="urn:microsoft.com/office/officeart/2005/8/layout/pyramid1"/>
     <dgm:cxn modelId="{DAE49C14-651E-4C39-9FA9-B51333774D29}" type="presParOf" srcId="{E14AB68C-B73C-447D-BC7C-EFEBE30AC20C}" destId="{D50B72C1-5049-43BD-85EA-55026406DDC7}" srcOrd="1" destOrd="0" presId="urn:microsoft.com/office/officeart/2005/8/layout/pyramid1"/>
-    <dgm:cxn modelId="{39ADEEB1-A326-4914-A7BB-CDEF0610308A}" type="presParOf" srcId="{FF7AD6FD-FE95-420E-99EB-F108DF6EB3A7}" destId="{C1A0D902-60F8-4964-B92D-A8EE902452B1}" srcOrd="2" destOrd="0" presId="urn:microsoft.com/office/officeart/2005/8/layout/pyramid1"/>
+    <dgm:cxn modelId="{39ADEEB1-A326-4914-A7BB-CDEF0610308A}" type="presParOf" srcId="{FF7AD6FD-FE95-420E-99EB-F108DF6EB3A7}" destId="{C1A0D902-60F8-4964-B92D-A8EE902452B1}" srcOrd="3" destOrd="0" presId="urn:microsoft.com/office/officeart/2005/8/layout/pyramid1"/>
     <dgm:cxn modelId="{96DCC38D-ADA6-4433-BD0D-FA308F3FB0E4}" type="presParOf" srcId="{C1A0D902-60F8-4964-B92D-A8EE902452B1}" destId="{B612A902-8D48-4611-8395-B56321552D94}" srcOrd="0" destOrd="0" presId="urn:microsoft.com/office/officeart/2005/8/layout/pyramid1"/>
     <dgm:cxn modelId="{4F6110AC-372F-4D27-8516-D6099E7E5466}" type="presParOf" srcId="{C1A0D902-60F8-4964-B92D-A8EE902452B1}" destId="{FA84F48A-4E1B-4F57-8979-E671B99D06AC}" srcOrd="1" destOrd="0" presId="urn:microsoft.com/office/officeart/2005/8/layout/pyramid1"/>
   </dgm:cxnLst>
@@ -1253,6 +1344,328 @@
       <dsp:cNvGrpSpPr/>
     </dsp:nvGrpSpPr>
     <dsp:grpSpPr/>
+    <dsp:sp modelId="{E4ED3E77-4300-4A8C-A251-B708ECC863D9}">
+      <dsp:nvSpPr>
+        <dsp:cNvPr id="0" name=""/>
+        <dsp:cNvSpPr/>
+      </dsp:nvSpPr>
+      <dsp:spPr>
+        <a:xfrm>
+          <a:off x="2136915" y="0"/>
+          <a:ext cx="1424610" cy="1354666"/>
+        </a:xfrm>
+        <a:prstGeom prst="trapezoid">
+          <a:avLst>
+            <a:gd name="adj" fmla="val 52582"/>
+          </a:avLst>
+        </a:prstGeom>
+        <a:solidFill>
+          <a:schemeClr val="accent2">
+            <a:lumMod val="50000"/>
+          </a:schemeClr>
+        </a:solidFill>
+        <a:ln>
+          <a:noFill/>
+        </a:ln>
+        <a:effectLst/>
+        <a:scene3d>
+          <a:camera prst="orthographicFront"/>
+          <a:lightRig rig="threePt" dir="t">
+            <a:rot lat="0" lon="0" rev="7500000"/>
+          </a:lightRig>
+        </a:scene3d>
+        <a:sp3d prstMaterial="plastic">
+          <a:bevelT w="127000" h="25400" prst="relaxedInset"/>
+        </a:sp3d>
+      </dsp:spPr>
+      <dsp:style>
+        <a:lnRef idx="0">
+          <a:scrgbClr r="0" g="0" b="0"/>
+        </a:lnRef>
+        <a:fillRef idx="3">
+          <a:scrgbClr r="0" g="0" b="0"/>
+        </a:fillRef>
+        <a:effectRef idx="2">
+          <a:scrgbClr r="0" g="0" b="0"/>
+        </a:effectRef>
+        <a:fontRef idx="minor">
+          <a:schemeClr val="lt1"/>
+        </a:fontRef>
+      </dsp:style>
+      <dsp:txBody>
+        <a:bodyPr spcFirstLastPara="0" vert="horz" wrap="square" lIns="35560" tIns="35560" rIns="35560" bIns="35560" numCol="1" spcCol="1270" anchor="ctr" anchorCtr="0">
+          <a:noAutofit/>
+        </a:bodyPr>
+        <a:lstStyle/>
+        <a:p>
+          <a:pPr lvl="0" algn="ctr" defTabSz="1244600">
+            <a:lnSpc>
+              <a:spcPct val="100000"/>
+            </a:lnSpc>
+            <a:spcBef>
+              <a:spcPct val="0"/>
+            </a:spcBef>
+            <a:spcAft>
+              <a:spcPct val="35000"/>
+            </a:spcAft>
+          </a:pPr>
+          <a:endParaRPr lang="zh-CN" altLang="en-US" sz="2800" kern="1200" dirty="0">
+            <a:solidFill>
+              <a:schemeClr val="bg1"/>
+            </a:solidFill>
+          </a:endParaRPr>
+        </a:p>
+      </dsp:txBody>
+      <dsp:txXfrm>
+        <a:off x="2136915" y="0"/>
+        <a:ext cx="1424610" cy="1354666"/>
+      </dsp:txXfrm>
+    </dsp:sp>
+    <dsp:sp modelId="{684E2742-E399-4D3A-B15C-175E39D5801E}">
+      <dsp:nvSpPr>
+        <dsp:cNvPr id="0" name=""/>
+        <dsp:cNvSpPr/>
+      </dsp:nvSpPr>
+      <dsp:spPr>
+        <a:xfrm>
+          <a:off x="1424610" y="1354666"/>
+          <a:ext cx="2849220" cy="1354666"/>
+        </a:xfrm>
+        <a:prstGeom prst="trapezoid">
+          <a:avLst>
+            <a:gd name="adj" fmla="val 52582"/>
+          </a:avLst>
+        </a:prstGeom>
+        <a:solidFill>
+          <a:schemeClr val="accent2">
+            <a:lumMod val="75000"/>
+          </a:schemeClr>
+        </a:solidFill>
+        <a:ln>
+          <a:noFill/>
+        </a:ln>
+        <a:effectLst/>
+        <a:scene3d>
+          <a:camera prst="orthographicFront"/>
+          <a:lightRig rig="threePt" dir="t">
+            <a:rot lat="0" lon="0" rev="7500000"/>
+          </a:lightRig>
+        </a:scene3d>
+        <a:sp3d prstMaterial="plastic">
+          <a:bevelT w="127000" h="25400" prst="relaxedInset"/>
+        </a:sp3d>
+      </dsp:spPr>
+      <dsp:style>
+        <a:lnRef idx="0">
+          <a:scrgbClr r="0" g="0" b="0"/>
+        </a:lnRef>
+        <a:fillRef idx="3">
+          <a:scrgbClr r="0" g="0" b="0"/>
+        </a:fillRef>
+        <a:effectRef idx="2">
+          <a:scrgbClr r="0" g="0" b="0"/>
+        </a:effectRef>
+        <a:fontRef idx="minor">
+          <a:schemeClr val="lt1"/>
+        </a:fontRef>
+      </dsp:style>
+      <dsp:txBody>
+        <a:bodyPr spcFirstLastPara="0" vert="horz" wrap="square" lIns="35560" tIns="35560" rIns="35560" bIns="35560" numCol="1" spcCol="1270" anchor="ctr" anchorCtr="0">
+          <a:noAutofit/>
+        </a:bodyPr>
+        <a:lstStyle/>
+        <a:p>
+          <a:pPr lvl="0" algn="ctr" defTabSz="1244600">
+            <a:lnSpc>
+              <a:spcPct val="100000"/>
+            </a:lnSpc>
+            <a:spcBef>
+              <a:spcPct val="0"/>
+            </a:spcBef>
+            <a:spcAft>
+              <a:spcPct val="35000"/>
+            </a:spcAft>
+          </a:pPr>
+          <a:endParaRPr lang="zh-CN" altLang="en-US" sz="2800" kern="1200" dirty="0">
+            <a:solidFill>
+              <a:schemeClr val="bg1"/>
+            </a:solidFill>
+          </a:endParaRPr>
+        </a:p>
+      </dsp:txBody>
+      <dsp:txXfrm>
+        <a:off x="1923223" y="1354666"/>
+        <a:ext cx="1851993" cy="1354666"/>
+      </dsp:txXfrm>
+    </dsp:sp>
+    <dsp:sp modelId="{60E53AEF-8F6B-4C7F-AB46-6EA5B6B96B32}">
+      <dsp:nvSpPr>
+        <dsp:cNvPr id="0" name=""/>
+        <dsp:cNvSpPr/>
+      </dsp:nvSpPr>
+      <dsp:spPr>
+        <a:xfrm>
+          <a:off x="712305" y="2709333"/>
+          <a:ext cx="4273830" cy="1354666"/>
+        </a:xfrm>
+        <a:prstGeom prst="trapezoid">
+          <a:avLst>
+            <a:gd name="adj" fmla="val 52582"/>
+          </a:avLst>
+        </a:prstGeom>
+        <a:solidFill>
+          <a:schemeClr val="accent3">
+            <a:lumMod val="50000"/>
+          </a:schemeClr>
+        </a:solidFill>
+        <a:ln>
+          <a:noFill/>
+        </a:ln>
+        <a:effectLst/>
+        <a:scene3d>
+          <a:camera prst="orthographicFront"/>
+          <a:lightRig rig="threePt" dir="t">
+            <a:rot lat="0" lon="0" rev="7500000"/>
+          </a:lightRig>
+        </a:scene3d>
+        <a:sp3d prstMaterial="plastic">
+          <a:bevelT w="127000" h="25400" prst="relaxedInset"/>
+        </a:sp3d>
+      </dsp:spPr>
+      <dsp:style>
+        <a:lnRef idx="0">
+          <a:scrgbClr r="0" g="0" b="0"/>
+        </a:lnRef>
+        <a:fillRef idx="3">
+          <a:scrgbClr r="0" g="0" b="0"/>
+        </a:fillRef>
+        <a:effectRef idx="2">
+          <a:scrgbClr r="0" g="0" b="0"/>
+        </a:effectRef>
+        <a:fontRef idx="minor">
+          <a:schemeClr val="lt1"/>
+        </a:fontRef>
+      </dsp:style>
+      <dsp:txBody>
+        <a:bodyPr spcFirstLastPara="0" vert="horz" wrap="square" lIns="55880" tIns="55880" rIns="55880" bIns="55880" numCol="1" spcCol="1270" anchor="ctr" anchorCtr="0">
+          <a:noAutofit/>
+        </a:bodyPr>
+        <a:lstStyle/>
+        <a:p>
+          <a:pPr lvl="0" algn="ctr" defTabSz="1955800">
+            <a:lnSpc>
+              <a:spcPct val="90000"/>
+            </a:lnSpc>
+            <a:spcBef>
+              <a:spcPct val="0"/>
+            </a:spcBef>
+            <a:spcAft>
+              <a:spcPct val="35000"/>
+            </a:spcAft>
+          </a:pPr>
+          <a:r>
+            <a:rPr lang="zh-CN" altLang="en-US" sz="4400" kern="1200" dirty="0" smtClean="0">
+              <a:solidFill>
+                <a:schemeClr val="bg1"/>
+              </a:solidFill>
+            </a:rPr>
+            <a:t>疯狂圈地</a:t>
+          </a:r>
+          <a:endParaRPr lang="zh-CN" altLang="en-US" sz="4400" kern="1200" dirty="0">
+            <a:solidFill>
+              <a:schemeClr val="bg1"/>
+            </a:solidFill>
+          </a:endParaRPr>
+        </a:p>
+      </dsp:txBody>
+      <dsp:txXfrm>
+        <a:off x="1460225" y="2709333"/>
+        <a:ext cx="2777989" cy="1354666"/>
+      </dsp:txXfrm>
+    </dsp:sp>
+    <dsp:sp modelId="{B612A902-8D48-4611-8395-B56321552D94}">
+      <dsp:nvSpPr>
+        <dsp:cNvPr id="0" name=""/>
+        <dsp:cNvSpPr/>
+      </dsp:nvSpPr>
+      <dsp:spPr>
+        <a:xfrm>
+          <a:off x="0" y="4064000"/>
+          <a:ext cx="5698440" cy="1354666"/>
+        </a:xfrm>
+        <a:prstGeom prst="trapezoid">
+          <a:avLst>
+            <a:gd name="adj" fmla="val 52582"/>
+          </a:avLst>
+        </a:prstGeom>
+        <a:solidFill>
+          <a:srgbClr val="1B9ED2"/>
+        </a:solidFill>
+        <a:ln>
+          <a:noFill/>
+        </a:ln>
+        <a:effectLst/>
+        <a:scene3d>
+          <a:camera prst="orthographicFront"/>
+          <a:lightRig rig="threePt" dir="t">
+            <a:rot lat="0" lon="0" rev="7500000"/>
+          </a:lightRig>
+        </a:scene3d>
+        <a:sp3d prstMaterial="plastic">
+          <a:bevelT w="127000" h="25400" prst="relaxedInset"/>
+        </a:sp3d>
+      </dsp:spPr>
+      <dsp:style>
+        <a:lnRef idx="0">
+          <a:scrgbClr r="0" g="0" b="0"/>
+        </a:lnRef>
+        <a:fillRef idx="3">
+          <a:scrgbClr r="0" g="0" b="0"/>
+        </a:fillRef>
+        <a:effectRef idx="2">
+          <a:scrgbClr r="0" g="0" b="0"/>
+        </a:effectRef>
+        <a:fontRef idx="minor">
+          <a:schemeClr val="lt1"/>
+        </a:fontRef>
+      </dsp:style>
+      <dsp:txBody>
+        <a:bodyPr spcFirstLastPara="0" vert="horz" wrap="square" lIns="68580" tIns="68580" rIns="68580" bIns="68580" numCol="1" spcCol="1270" anchor="ctr" anchorCtr="0">
+          <a:noAutofit/>
+        </a:bodyPr>
+        <a:lstStyle/>
+        <a:p>
+          <a:pPr lvl="0" algn="ctr" defTabSz="2400300">
+            <a:lnSpc>
+              <a:spcPct val="90000"/>
+            </a:lnSpc>
+            <a:spcBef>
+              <a:spcPct val="0"/>
+            </a:spcBef>
+            <a:spcAft>
+              <a:spcPct val="35000"/>
+            </a:spcAft>
+          </a:pPr>
+          <a:r>
+            <a:rPr lang="zh-CN" altLang="en-US" sz="5400" b="0" kern="1200" dirty="0" smtClean="0">
+              <a:solidFill>
+                <a:schemeClr val="bg1"/>
+              </a:solidFill>
+            </a:rPr>
+            <a:t>包装上市</a:t>
+          </a:r>
+          <a:endParaRPr lang="zh-CN" altLang="en-US" sz="5400" b="0" kern="1200" dirty="0">
+            <a:solidFill>
+              <a:schemeClr val="bg1"/>
+            </a:solidFill>
+          </a:endParaRPr>
+        </a:p>
+      </dsp:txBody>
+      <dsp:txXfrm>
+        <a:off x="997227" y="4064000"/>
+        <a:ext cx="3703986" cy="1354666"/>
+      </dsp:txXfrm>
+    </dsp:sp>
   </dsp:spTree>
 </dsp:drawing>
 </file>
@@ -3256,7 +3669,7 @@
             <a:fld id="{E9E6FDB6-6D2B-46C1-9FA1-D82906A37C3A}" type="slidenum">
               <a:rPr lang="zh-CN" altLang="en-US" smtClean="0"/>
               <a:pPr/>
-              <a:t>17</a:t>
+              <a:t>18</a:t>
             </a:fld>
             <a:endParaRPr lang="zh-CN" altLang="en-US"/>
           </a:p>
@@ -3341,7 +3754,7 @@
             <a:fld id="{E9E6FDB6-6D2B-46C1-9FA1-D82906A37C3A}" type="slidenum">
               <a:rPr lang="zh-CN" altLang="en-US" smtClean="0"/>
               <a:pPr/>
-              <a:t>20</a:t>
+              <a:t>21</a:t>
             </a:fld>
             <a:endParaRPr lang="zh-CN" altLang="en-US"/>
           </a:p>
@@ -3426,7 +3839,7 @@
             <a:fld id="{E9E6FDB6-6D2B-46C1-9FA1-D82906A37C3A}" type="slidenum">
               <a:rPr lang="zh-CN" altLang="en-US" smtClean="0"/>
               <a:pPr/>
-              <a:t>27</a:t>
+              <a:t>28</a:t>
             </a:fld>
             <a:endParaRPr lang="zh-CN" altLang="en-US"/>
           </a:p>
@@ -3513,7 +3926,7 @@
             <a:fld id="{E9E6FDB6-6D2B-46C1-9FA1-D82906A37C3A}" type="slidenum">
               <a:rPr lang="zh-CN" altLang="en-US" smtClean="0"/>
               <a:pPr/>
-              <a:t>28</a:t>
+              <a:t>29</a:t>
             </a:fld>
             <a:endParaRPr lang="zh-CN" altLang="en-US"/>
           </a:p>
@@ -4735,7 +5148,7 @@
             <a:fld id="{E9E6FDB6-6D2B-46C1-9FA1-D82906A37C3A}" type="slidenum">
               <a:rPr lang="zh-CN" altLang="en-US" smtClean="0"/>
               <a:pPr/>
-              <a:t>16</a:t>
+              <a:t>17</a:t>
             </a:fld>
             <a:endParaRPr lang="zh-CN" altLang="en-US"/>
           </a:p>
@@ -13374,6 +13787,811 @@
         <p:grpSpPr>
           <a:xfrm>
             <a:off x="669924" y="2169073"/>
+            <a:ext cx="10850564" cy="2175017"/>
+            <a:chOff x="669924" y="2169073"/>
+            <a:chExt cx="10850564" cy="2175017"/>
+          </a:xfrm>
+        </p:grpSpPr>
+        <p:sp>
+          <p:nvSpPr>
+            <p:cNvPr id="6" name="îş1iḑê">
+              <a:extLst>
+                <a:ext uri="{FF2B5EF4-FFF2-40B4-BE49-F238E27FC236}">
+                  <a16:creationId xmlns="" xmlns:a16="http://schemas.microsoft.com/office/drawing/2014/main" id="{19C61D46-1944-42A4-B1B7-B999640165E7}"/>
+                </a:ext>
+              </a:extLst>
+            </p:cNvPr>
+            <p:cNvSpPr/>
+            <p:nvPr/>
+          </p:nvSpPr>
+          <p:spPr bwMode="auto">
+            <a:xfrm flipH="1">
+              <a:off x="669924" y="3686772"/>
+              <a:ext cx="4622967" cy="0"/>
+            </a:xfrm>
+            <a:prstGeom prst="line">
+              <a:avLst/>
+            </a:prstGeom>
+            <a:noFill/>
+            <a:ln w="22225">
+              <a:solidFill>
+                <a:schemeClr val="bg1">
+                  <a:lumMod val="75000"/>
+                </a:schemeClr>
+              </a:solidFill>
+              <a:round/>
+              <a:headEnd/>
+              <a:tailEnd type="triangle" w="med" len="lg"/>
+            </a:ln>
+            <a:effectLst/>
+            <a:extLst>
+              <a:ext uri="{909E8E84-426E-40DD-AFC4-6F175D3DCCD1}">
+                <a14:hiddenFill xmlns:a14="http://schemas.microsoft.com/office/drawing/2010/main">
+                  <a:noFill/>
+                </a14:hiddenFill>
+              </a:ext>
+              <a:ext uri="{AF507438-7753-43E0-B8FC-AC1667EBCBE1}">
+                <a14:hiddenEffects xmlns:a14="http://schemas.microsoft.com/office/drawing/2010/main">
+                  <a:effectLst>
+                    <a:outerShdw dist="35921" dir="2700000" algn="ctr" rotWithShape="0">
+                      <a:srgbClr val="808080"/>
+                    </a:outerShdw>
+                  </a:effectLst>
+                </a14:hiddenEffects>
+              </a:ext>
+            </a:extLst>
+          </p:spPr>
+          <p:txBody>
+            <a:bodyPr wrap="none" lIns="0" tIns="0" rIns="0" bIns="0" anchor="ctr"/>
+            <a:lstStyle/>
+            <a:p>
+              <a:endParaRPr lang="zh-CN" altLang="en-US"/>
+            </a:p>
+          </p:txBody>
+        </p:sp>
+        <p:sp>
+          <p:nvSpPr>
+            <p:cNvPr id="7" name="iṣḻîdé">
+              <a:extLst>
+                <a:ext uri="{FF2B5EF4-FFF2-40B4-BE49-F238E27FC236}">
+                  <a16:creationId xmlns="" xmlns:a16="http://schemas.microsoft.com/office/drawing/2014/main" id="{176612AE-9F6A-46AC-85E5-6C697DCA5079}"/>
+                </a:ext>
+              </a:extLst>
+            </p:cNvPr>
+            <p:cNvSpPr/>
+            <p:nvPr/>
+          </p:nvSpPr>
+          <p:spPr bwMode="auto">
+            <a:xfrm>
+              <a:off x="6994185" y="3168005"/>
+              <a:ext cx="4526303" cy="0"/>
+            </a:xfrm>
+            <a:prstGeom prst="line">
+              <a:avLst/>
+            </a:prstGeom>
+            <a:noFill/>
+            <a:ln w="22225">
+              <a:solidFill>
+                <a:schemeClr val="bg1">
+                  <a:lumMod val="75000"/>
+                </a:schemeClr>
+              </a:solidFill>
+              <a:round/>
+              <a:headEnd/>
+              <a:tailEnd type="triangle" w="med" len="lg"/>
+            </a:ln>
+            <a:effectLst/>
+            <a:extLst>
+              <a:ext uri="{909E8E84-426E-40DD-AFC4-6F175D3DCCD1}">
+                <a14:hiddenFill xmlns:a14="http://schemas.microsoft.com/office/drawing/2010/main">
+                  <a:noFill/>
+                </a14:hiddenFill>
+              </a:ext>
+              <a:ext uri="{AF507438-7753-43E0-B8FC-AC1667EBCBE1}">
+                <a14:hiddenEffects xmlns:a14="http://schemas.microsoft.com/office/drawing/2010/main">
+                  <a:effectLst>
+                    <a:outerShdw dist="35921" dir="2700000" algn="ctr" rotWithShape="0">
+                      <a:srgbClr val="808080"/>
+                    </a:outerShdw>
+                  </a:effectLst>
+                </a14:hiddenEffects>
+              </a:ext>
+            </a:extLst>
+          </p:spPr>
+          <p:txBody>
+            <a:bodyPr wrap="none" lIns="0" tIns="0" rIns="0" bIns="0" anchor="ctr"/>
+            <a:lstStyle/>
+            <a:p>
+              <a:endParaRPr lang="zh-CN" altLang="en-US"/>
+            </a:p>
+          </p:txBody>
+        </p:sp>
+        <p:sp>
+          <p:nvSpPr>
+            <p:cNvPr id="8" name="ïšlîdé">
+              <a:extLst>
+                <a:ext uri="{FF2B5EF4-FFF2-40B4-BE49-F238E27FC236}">
+                  <a16:creationId xmlns="" xmlns:a16="http://schemas.microsoft.com/office/drawing/2014/main" id="{31C30AF8-E0DB-4D7B-B176-4C3B007926B7}"/>
+                </a:ext>
+              </a:extLst>
+            </p:cNvPr>
+            <p:cNvSpPr/>
+            <p:nvPr/>
+          </p:nvSpPr>
+          <p:spPr bwMode="auto">
+            <a:xfrm>
+              <a:off x="5199451" y="2513910"/>
+              <a:ext cx="1830181" cy="1830180"/>
+            </a:xfrm>
+            <a:prstGeom prst="ellipse">
+              <a:avLst/>
+            </a:prstGeom>
+            <a:solidFill>
+              <a:schemeClr val="accent1">
+                <a:lumMod val="50000"/>
+              </a:schemeClr>
+            </a:solidFill>
+            <a:ln>
+              <a:noFill/>
+            </a:ln>
+            <a:effectLst/>
+            <a:extLst>
+              <a:ext uri="{91240B29-F687-4F45-9708-019B960494DF}">
+                <a14:hiddenLine xmlns:a14="http://schemas.microsoft.com/office/drawing/2010/main" w="6350">
+                  <a:solidFill>
+                    <a:schemeClr val="tx1"/>
+                  </a:solidFill>
+                  <a:round/>
+                  <a:headEnd/>
+                  <a:tailEnd/>
+                </a14:hiddenLine>
+              </a:ext>
+              <a:ext uri="{AF507438-7753-43E0-B8FC-AC1667EBCBE1}">
+                <a14:hiddenEffects xmlns:a14="http://schemas.microsoft.com/office/drawing/2010/main">
+                  <a:effectLst>
+                    <a:outerShdw dist="35921" dir="2700000" algn="ctr" rotWithShape="0">
+                      <a:srgbClr val="808080"/>
+                    </a:outerShdw>
+                  </a:effectLst>
+                </a14:hiddenEffects>
+              </a:ext>
+            </a:extLst>
+          </p:spPr>
+          <p:txBody>
+            <a:bodyPr wrap="none" lIns="0" tIns="0" rIns="0" bIns="0" anchor="ctr"/>
+            <a:lstStyle>
+              <a:lvl1pPr>
+                <a:defRPr sz="1300" b="1">
+                  <a:solidFill>
+                    <a:srgbClr val="000000"/>
+                  </a:solidFill>
+                </a:defRPr>
+              </a:lvl1pPr>
+              <a:lvl2pPr marL="742950" indent="-285750">
+                <a:defRPr sz="1300" b="1">
+                  <a:solidFill>
+                    <a:srgbClr val="000000"/>
+                  </a:solidFill>
+                </a:defRPr>
+              </a:lvl2pPr>
+              <a:lvl3pPr marL="1143000" indent="-228600">
+                <a:defRPr sz="1300" b="1">
+                  <a:solidFill>
+                    <a:srgbClr val="000000"/>
+                  </a:solidFill>
+                </a:defRPr>
+              </a:lvl3pPr>
+              <a:lvl4pPr marL="1600200" indent="-228600">
+                <a:defRPr sz="1300" b="1">
+                  <a:solidFill>
+                    <a:srgbClr val="000000"/>
+                  </a:solidFill>
+                </a:defRPr>
+              </a:lvl4pPr>
+              <a:lvl5pPr marL="2057400" indent="-228600">
+                <a:defRPr sz="1300" b="1">
+                  <a:solidFill>
+                    <a:srgbClr val="000000"/>
+                  </a:solidFill>
+                </a:defRPr>
+              </a:lvl5pPr>
+              <a:lvl6pPr marL="2514600" indent="-228600" eaLnBrk="0" fontAlgn="base" hangingPunct="0">
+                <a:spcBef>
+                  <a:spcPct val="0"/>
+                </a:spcBef>
+                <a:spcAft>
+                  <a:spcPct val="0"/>
+                </a:spcAft>
+                <a:defRPr sz="1300" b="1">
+                  <a:solidFill>
+                    <a:srgbClr val="000000"/>
+                  </a:solidFill>
+                </a:defRPr>
+              </a:lvl6pPr>
+              <a:lvl7pPr marL="2971800" indent="-228600" eaLnBrk="0" fontAlgn="base" hangingPunct="0">
+                <a:spcBef>
+                  <a:spcPct val="0"/>
+                </a:spcBef>
+                <a:spcAft>
+                  <a:spcPct val="0"/>
+                </a:spcAft>
+                <a:defRPr sz="1300" b="1">
+                  <a:solidFill>
+                    <a:srgbClr val="000000"/>
+                  </a:solidFill>
+                </a:defRPr>
+              </a:lvl7pPr>
+              <a:lvl8pPr marL="3429000" indent="-228600" eaLnBrk="0" fontAlgn="base" hangingPunct="0">
+                <a:spcBef>
+                  <a:spcPct val="0"/>
+                </a:spcBef>
+                <a:spcAft>
+                  <a:spcPct val="0"/>
+                </a:spcAft>
+                <a:defRPr sz="1300" b="1">
+                  <a:solidFill>
+                    <a:srgbClr val="000000"/>
+                  </a:solidFill>
+                </a:defRPr>
+              </a:lvl8pPr>
+              <a:lvl9pPr marL="3886200" indent="-228600" eaLnBrk="0" fontAlgn="base" hangingPunct="0">
+                <a:spcBef>
+                  <a:spcPct val="0"/>
+                </a:spcBef>
+                <a:spcAft>
+                  <a:spcPct val="0"/>
+                </a:spcAft>
+                <a:defRPr sz="1300" b="1">
+                  <a:solidFill>
+                    <a:srgbClr val="000000"/>
+                  </a:solidFill>
+                </a:defRPr>
+              </a:lvl9pPr>
+            </a:lstStyle>
+            <a:p>
+              <a:endParaRPr lang="zh-CN" altLang="en-US"/>
+            </a:p>
+          </p:txBody>
+        </p:sp>
+        <p:sp>
+          <p:nvSpPr>
+            <p:cNvPr id="9" name="íş1ïďe">
+              <a:extLst>
+                <a:ext uri="{FF2B5EF4-FFF2-40B4-BE49-F238E27FC236}">
+                  <a16:creationId xmlns="" xmlns:a16="http://schemas.microsoft.com/office/drawing/2014/main" id="{C5745F17-C228-4EC2-A750-4255A4E8CB96}"/>
+                </a:ext>
+              </a:extLst>
+            </p:cNvPr>
+            <p:cNvSpPr/>
+            <p:nvPr/>
+          </p:nvSpPr>
+          <p:spPr bwMode="auto">
+            <a:xfrm>
+              <a:off x="5241338" y="3342001"/>
+              <a:ext cx="1459635" cy="673430"/>
+            </a:xfrm>
+            <a:custGeom>
+              <a:avLst/>
+              <a:gdLst>
+                <a:gd name="T0" fmla="*/ 0 w 453"/>
+                <a:gd name="T1" fmla="*/ 2147483646 h 209"/>
+                <a:gd name="T2" fmla="*/ 2147483646 w 453"/>
+                <a:gd name="T3" fmla="*/ 2147483646 h 209"/>
+                <a:gd name="T4" fmla="*/ 2147483646 w 453"/>
+                <a:gd name="T5" fmla="*/ 0 h 209"/>
+                <a:gd name="T6" fmla="*/ 2147483646 w 453"/>
+                <a:gd name="T7" fmla="*/ 2147483646 h 209"/>
+                <a:gd name="T8" fmla="*/ 2147483646 w 453"/>
+                <a:gd name="T9" fmla="*/ 2147483646 h 209"/>
+                <a:gd name="T10" fmla="*/ 2147483646 w 453"/>
+                <a:gd name="T11" fmla="*/ 2147483646 h 209"/>
+                <a:gd name="T12" fmla="*/ 0 60000 65536"/>
+                <a:gd name="T13" fmla="*/ 0 60000 65536"/>
+                <a:gd name="T14" fmla="*/ 0 60000 65536"/>
+                <a:gd name="T15" fmla="*/ 0 60000 65536"/>
+                <a:gd name="T16" fmla="*/ 0 60000 65536"/>
+                <a:gd name="T17" fmla="*/ 0 60000 65536"/>
+              </a:gdLst>
+              <a:ahLst/>
+              <a:cxnLst>
+                <a:cxn ang="T12">
+                  <a:pos x="T0" y="T1"/>
+                </a:cxn>
+                <a:cxn ang="T13">
+                  <a:pos x="T2" y="T3"/>
+                </a:cxn>
+                <a:cxn ang="T14">
+                  <a:pos x="T4" y="T5"/>
+                </a:cxn>
+                <a:cxn ang="T15">
+                  <a:pos x="T6" y="T7"/>
+                </a:cxn>
+                <a:cxn ang="T16">
+                  <a:pos x="T8" y="T9"/>
+                </a:cxn>
+                <a:cxn ang="T17">
+                  <a:pos x="T10" y="T11"/>
+                </a:cxn>
+              </a:cxnLst>
+              <a:rect l="0" t="0" r="r" b="b"/>
+              <a:pathLst>
+                <a:path w="453" h="209">
+                  <a:moveTo>
+                    <a:pt x="0" y="107"/>
+                  </a:moveTo>
+                  <a:lnTo>
+                    <a:pt x="84" y="107"/>
+                  </a:lnTo>
+                  <a:lnTo>
+                    <a:pt x="269" y="0"/>
+                  </a:lnTo>
+                  <a:lnTo>
+                    <a:pt x="453" y="106"/>
+                  </a:lnTo>
+                  <a:lnTo>
+                    <a:pt x="266" y="209"/>
+                  </a:lnTo>
+                  <a:lnTo>
+                    <a:pt x="266" y="80"/>
+                  </a:lnTo>
+                </a:path>
+              </a:pathLst>
+            </a:custGeom>
+            <a:noFill/>
+            <a:ln w="22225" cap="flat" cmpd="sng">
+              <a:solidFill>
+                <a:schemeClr val="bg1"/>
+              </a:solidFill>
+              <a:prstDash val="solid"/>
+              <a:round/>
+              <a:headEnd type="none" w="med" len="med"/>
+              <a:tailEnd type="none" w="med" len="med"/>
+            </a:ln>
+            <a:effectLst/>
+            <a:extLst>
+              <a:ext uri="{909E8E84-426E-40DD-AFC4-6F175D3DCCD1}">
+                <a14:hiddenFill xmlns:a14="http://schemas.microsoft.com/office/drawing/2010/main">
+                  <a:solidFill>
+                    <a:schemeClr val="accent1"/>
+                  </a:solidFill>
+                </a14:hiddenFill>
+              </a:ext>
+              <a:ext uri="{AF507438-7753-43E0-B8FC-AC1667EBCBE1}">
+                <a14:hiddenEffects xmlns:a14="http://schemas.microsoft.com/office/drawing/2010/main">
+                  <a:effectLst>
+                    <a:outerShdw dist="35921" dir="2700000" algn="ctr" rotWithShape="0">
+                      <a:srgbClr val="808080"/>
+                    </a:outerShdw>
+                  </a:effectLst>
+                </a14:hiddenEffects>
+              </a:ext>
+            </a:extLst>
+          </p:spPr>
+          <p:txBody>
+            <a:bodyPr wrap="none" lIns="0" tIns="0" rIns="0" bIns="0" anchor="ctr"/>
+            <a:lstStyle/>
+            <a:p>
+              <a:endParaRPr lang="zh-CN" altLang="en-US"/>
+            </a:p>
+          </p:txBody>
+        </p:sp>
+        <p:sp>
+          <p:nvSpPr>
+            <p:cNvPr id="10" name="ïšļïḓè">
+              <a:extLst>
+                <a:ext uri="{FF2B5EF4-FFF2-40B4-BE49-F238E27FC236}">
+                  <a16:creationId xmlns="" xmlns:a16="http://schemas.microsoft.com/office/drawing/2014/main" id="{014D2DE0-21B6-49EB-AA7D-1E3B6E055DE0}"/>
+                </a:ext>
+              </a:extLst>
+            </p:cNvPr>
+            <p:cNvSpPr/>
+            <p:nvPr/>
+          </p:nvSpPr>
+          <p:spPr bwMode="auto">
+            <a:xfrm>
+              <a:off x="5531331" y="2842569"/>
+              <a:ext cx="1462856" cy="673428"/>
+            </a:xfrm>
+            <a:custGeom>
+              <a:avLst/>
+              <a:gdLst>
+                <a:gd name="T0" fmla="*/ 2147483646 w 454"/>
+                <a:gd name="T1" fmla="*/ 2147483646 h 209"/>
+                <a:gd name="T2" fmla="*/ 2147483646 w 454"/>
+                <a:gd name="T3" fmla="*/ 2147483646 h 209"/>
+                <a:gd name="T4" fmla="*/ 2147483646 w 454"/>
+                <a:gd name="T5" fmla="*/ 2147483646 h 209"/>
+                <a:gd name="T6" fmla="*/ 0 w 454"/>
+                <a:gd name="T7" fmla="*/ 2147483646 h 209"/>
+                <a:gd name="T8" fmla="*/ 2147483646 w 454"/>
+                <a:gd name="T9" fmla="*/ 0 h 209"/>
+                <a:gd name="T10" fmla="*/ 2147483646 w 454"/>
+                <a:gd name="T11" fmla="*/ 2147483646 h 209"/>
+                <a:gd name="T12" fmla="*/ 0 60000 65536"/>
+                <a:gd name="T13" fmla="*/ 0 60000 65536"/>
+                <a:gd name="T14" fmla="*/ 0 60000 65536"/>
+                <a:gd name="T15" fmla="*/ 0 60000 65536"/>
+                <a:gd name="T16" fmla="*/ 0 60000 65536"/>
+                <a:gd name="T17" fmla="*/ 0 60000 65536"/>
+              </a:gdLst>
+              <a:ahLst/>
+              <a:cxnLst>
+                <a:cxn ang="T12">
+                  <a:pos x="T0" y="T1"/>
+                </a:cxn>
+                <a:cxn ang="T13">
+                  <a:pos x="T2" y="T3"/>
+                </a:cxn>
+                <a:cxn ang="T14">
+                  <a:pos x="T4" y="T5"/>
+                </a:cxn>
+                <a:cxn ang="T15">
+                  <a:pos x="T6" y="T7"/>
+                </a:cxn>
+                <a:cxn ang="T16">
+                  <a:pos x="T8" y="T9"/>
+                </a:cxn>
+                <a:cxn ang="T17">
+                  <a:pos x="T10" y="T11"/>
+                </a:cxn>
+              </a:cxnLst>
+              <a:rect l="0" t="0" r="r" b="b"/>
+              <a:pathLst>
+                <a:path w="454" h="209">
+                  <a:moveTo>
+                    <a:pt x="454" y="102"/>
+                  </a:moveTo>
+                  <a:lnTo>
+                    <a:pt x="369" y="102"/>
+                  </a:lnTo>
+                  <a:lnTo>
+                    <a:pt x="184" y="209"/>
+                  </a:lnTo>
+                  <a:lnTo>
+                    <a:pt x="0" y="103"/>
+                  </a:lnTo>
+                  <a:lnTo>
+                    <a:pt x="187" y="0"/>
+                  </a:lnTo>
+                  <a:lnTo>
+                    <a:pt x="187" y="129"/>
+                  </a:lnTo>
+                </a:path>
+              </a:pathLst>
+            </a:custGeom>
+            <a:noFill/>
+            <a:ln w="22225" cap="flat" cmpd="sng">
+              <a:solidFill>
+                <a:schemeClr val="bg1"/>
+              </a:solidFill>
+              <a:prstDash val="solid"/>
+              <a:round/>
+              <a:headEnd type="none" w="med" len="med"/>
+              <a:tailEnd type="none" w="med" len="med"/>
+            </a:ln>
+            <a:effectLst/>
+            <a:extLst>
+              <a:ext uri="{909E8E84-426E-40DD-AFC4-6F175D3DCCD1}">
+                <a14:hiddenFill xmlns:a14="http://schemas.microsoft.com/office/drawing/2010/main">
+                  <a:solidFill>
+                    <a:schemeClr val="accent1"/>
+                  </a:solidFill>
+                </a14:hiddenFill>
+              </a:ext>
+              <a:ext uri="{AF507438-7753-43E0-B8FC-AC1667EBCBE1}">
+                <a14:hiddenEffects xmlns:a14="http://schemas.microsoft.com/office/drawing/2010/main">
+                  <a:effectLst>
+                    <a:outerShdw dist="35921" dir="2700000" algn="ctr" rotWithShape="0">
+                      <a:srgbClr val="808080"/>
+                    </a:outerShdw>
+                  </a:effectLst>
+                </a14:hiddenEffects>
+              </a:ext>
+            </a:extLst>
+          </p:spPr>
+          <p:txBody>
+            <a:bodyPr wrap="none" lIns="0" tIns="0" rIns="0" bIns="0" anchor="ctr"/>
+            <a:lstStyle/>
+            <a:p>
+              <a:endParaRPr lang="zh-CN" altLang="en-US"/>
+            </a:p>
+          </p:txBody>
+        </p:sp>
+        <p:sp>
+          <p:nvSpPr>
+            <p:cNvPr id="11" name="iṥḷïḑè">
+              <a:extLst>
+                <a:ext uri="{FF2B5EF4-FFF2-40B4-BE49-F238E27FC236}">
+                  <a16:creationId xmlns="" xmlns:a16="http://schemas.microsoft.com/office/drawing/2014/main" id="{BC66B1CF-CE61-4B3E-B5D7-2FFCDD8B50E8}"/>
+                </a:ext>
+              </a:extLst>
+            </p:cNvPr>
+            <p:cNvSpPr/>
+            <p:nvPr/>
+          </p:nvSpPr>
+          <p:spPr bwMode="auto">
+            <a:xfrm>
+              <a:off x="669925" y="2169073"/>
+              <a:ext cx="4494081" cy="1517699"/>
+            </a:xfrm>
+            <a:prstGeom prst="rect">
+              <a:avLst/>
+            </a:prstGeom>
+            <a:noFill/>
+            <a:ln>
+              <a:noFill/>
+            </a:ln>
+            <a:extLst>
+              <a:ext uri="{909E8E84-426E-40DD-AFC4-6F175D3DCCD1}">
+                <a14:hiddenFill xmlns:a14="http://schemas.microsoft.com/office/drawing/2010/main">
+                  <a:solidFill>
+                    <a:srgbClr val="FFFFFF"/>
+                  </a:solidFill>
+                </a14:hiddenFill>
+              </a:ext>
+              <a:ext uri="{91240B29-F687-4F45-9708-019B960494DF}">
+                <a14:hiddenLine xmlns:a14="http://schemas.microsoft.com/office/drawing/2010/main" w="9525">
+                  <a:solidFill>
+                    <a:srgbClr val="000000"/>
+                  </a:solidFill>
+                  <a:miter lim="800000"/>
+                  <a:headEnd/>
+                  <a:tailEnd/>
+                </a14:hiddenLine>
+              </a:ext>
+            </a:extLst>
+          </p:spPr>
+          <p:txBody>
+            <a:bodyPr wrap="square" lIns="90000" tIns="46800" rIns="90000" bIns="46800" anchor="t" anchorCtr="0">
+              <a:noAutofit/>
+            </a:bodyPr>
+            <a:lstStyle>
+              <a:defPPr>
+                <a:defRPr lang="zh-CN"/>
+              </a:defPPr>
+              <a:lvl1pPr marL="0" algn="l" defTabSz="914377" rtl="0" eaLnBrk="1" latinLnBrk="0" hangingPunct="1">
+                <a:defRPr sz="1800" kern="1200">
+                  <a:solidFill>
+                    <a:schemeClr val="tx1"/>
+                  </a:solidFill>
+                </a:defRPr>
+              </a:lvl1pPr>
+              <a:lvl2pPr marL="457189" algn="l" defTabSz="914377" rtl="0" eaLnBrk="1" latinLnBrk="0" hangingPunct="1">
+                <a:defRPr sz="1800" kern="1200">
+                  <a:solidFill>
+                    <a:schemeClr val="tx1"/>
+                  </a:solidFill>
+                </a:defRPr>
+              </a:lvl2pPr>
+              <a:lvl3pPr marL="914377" algn="l" defTabSz="914377" rtl="0" eaLnBrk="1" latinLnBrk="0" hangingPunct="1">
+                <a:defRPr sz="1800" kern="1200">
+                  <a:solidFill>
+                    <a:schemeClr val="tx1"/>
+                  </a:solidFill>
+                </a:defRPr>
+              </a:lvl3pPr>
+              <a:lvl4pPr marL="1371566" algn="l" defTabSz="914377" rtl="0" eaLnBrk="1" latinLnBrk="0" hangingPunct="1">
+                <a:defRPr sz="1800" kern="1200">
+                  <a:solidFill>
+                    <a:schemeClr val="tx1"/>
+                  </a:solidFill>
+                </a:defRPr>
+              </a:lvl4pPr>
+              <a:lvl5pPr marL="1828754" algn="l" defTabSz="914377" rtl="0" eaLnBrk="1" latinLnBrk="0" hangingPunct="1">
+                <a:defRPr sz="1800" kern="1200">
+                  <a:solidFill>
+                    <a:schemeClr val="tx1"/>
+                  </a:solidFill>
+                </a:defRPr>
+              </a:lvl5pPr>
+              <a:lvl6pPr marL="2285943" algn="l" defTabSz="914377" rtl="0" eaLnBrk="1" latinLnBrk="0" hangingPunct="1">
+                <a:defRPr sz="1800" kern="1200">
+                  <a:solidFill>
+                    <a:schemeClr val="tx1"/>
+                  </a:solidFill>
+                </a:defRPr>
+              </a:lvl6pPr>
+              <a:lvl7pPr marL="2743131" algn="l" defTabSz="914377" rtl="0" eaLnBrk="1" latinLnBrk="0" hangingPunct="1">
+                <a:defRPr sz="1800" kern="1200">
+                  <a:solidFill>
+                    <a:schemeClr val="tx1"/>
+                  </a:solidFill>
+                </a:defRPr>
+              </a:lvl7pPr>
+              <a:lvl8pPr marL="3200320" algn="l" defTabSz="914377" rtl="0" eaLnBrk="1" latinLnBrk="0" hangingPunct="1">
+                <a:defRPr sz="1800" kern="1200">
+                  <a:solidFill>
+                    <a:schemeClr val="tx1"/>
+                  </a:solidFill>
+                </a:defRPr>
+              </a:lvl8pPr>
+              <a:lvl9pPr marL="3657509" algn="l" defTabSz="914377" rtl="0" eaLnBrk="1" latinLnBrk="0" hangingPunct="1">
+                <a:defRPr sz="1800" kern="1200">
+                  <a:solidFill>
+                    <a:schemeClr val="tx1"/>
+                  </a:solidFill>
+                </a:defRPr>
+              </a:lvl9pPr>
+            </a:lstStyle>
+            <a:p>
+              <a:pPr>
+                <a:lnSpc>
+                  <a:spcPct val="160000"/>
+                </a:lnSpc>
+              </a:pPr>
+              <a:r>
+                <a:rPr lang="zh-CN" altLang="en-US" sz="2000" dirty="0">
+                  <a:cs typeface="+mn-ea"/>
+                  <a:sym typeface="+mn-lt"/>
+                </a:rPr>
+                <a:t>从学术、专利和投融资的角度来看，区块链在实体产业的应用聚焦在金融和供应链</a:t>
+              </a:r>
+              <a:endParaRPr lang="en-US" altLang="zh-CN" sz="2000" dirty="0"/>
+            </a:p>
+          </p:txBody>
+        </p:sp>
+      </p:grpSp>
+      <p:sp>
+        <p:nvSpPr>
+          <p:cNvPr id="3" name="矩形 2"/>
+          <p:cNvSpPr/>
+          <p:nvPr/>
+        </p:nvSpPr>
+        <p:spPr>
+          <a:xfrm>
+            <a:off x="2376113" y="3928995"/>
+            <a:ext cx="1210588" cy="707886"/>
+          </a:xfrm>
+          <a:prstGeom prst="rect">
+            <a:avLst/>
+          </a:prstGeom>
+        </p:spPr>
+        <p:txBody>
+          <a:bodyPr wrap="none">
+            <a:spAutoFit/>
+          </a:bodyPr>
+          <a:lstStyle/>
+          <a:p>
+            <a:r>
+              <a:rPr lang="zh-CN" altLang="en-US" sz="4000" dirty="0">
+                <a:cs typeface="+mn-ea"/>
+                <a:sym typeface="+mn-lt"/>
+              </a:rPr>
+              <a:t>金融</a:t>
+            </a:r>
+            <a:endParaRPr lang="zh-CN" altLang="en-US" sz="4000" dirty="0">
+              <a:cs typeface="+mn-ea"/>
+            </a:endParaRPr>
+          </a:p>
+        </p:txBody>
+      </p:sp>
+    </p:spTree>
+    <p:extLst>
+      <p:ext uri="{BB962C8B-B14F-4D97-AF65-F5344CB8AC3E}">
+        <p14:creationId xmlns:p14="http://schemas.microsoft.com/office/powerpoint/2010/main" val="3958743465"/>
+      </p:ext>
+    </p:extLst>
+  </p:cSld>
+  <p:clrMapOvr>
+    <a:masterClrMapping/>
+  </p:clrMapOvr>
+  <p:timing>
+    <p:tnLst>
+      <p:par>
+        <p:cTn id="1" dur="indefinite" restart="never" nodeType="tmRoot"/>
+      </p:par>
+    </p:tnLst>
+  </p:timing>
+</p:sld>
+</file>
+
+<file path=ppt/slides/slide16.xml><?xml version="1.0" encoding="utf-8"?>
+<p:sld xmlns:a="http://schemas.openxmlformats.org/drawingml/2006/main" xmlns:r="http://schemas.openxmlformats.org/officeDocument/2006/relationships" xmlns:p="http://schemas.openxmlformats.org/presentationml/2006/main">
+  <p:cSld>
+    <p:spTree>
+      <p:nvGrpSpPr>
+        <p:cNvPr id="1" name=""/>
+        <p:cNvGrpSpPr/>
+        <p:nvPr/>
+      </p:nvGrpSpPr>
+      <p:grpSpPr>
+        <a:xfrm>
+          <a:off x="0" y="0"/>
+          <a:ext cx="0" cy="0"/>
+          <a:chOff x="0" y="0"/>
+          <a:chExt cx="0" cy="0"/>
+        </a:xfrm>
+      </p:grpSpPr>
+      <p:sp>
+        <p:nvSpPr>
+          <p:cNvPr id="2" name="标题 1">
+            <a:extLst>
+              <a:ext uri="{FF2B5EF4-FFF2-40B4-BE49-F238E27FC236}">
+                <a16:creationId xmlns="" xmlns:a16="http://schemas.microsoft.com/office/drawing/2014/main" id="{06DC6D8B-67DD-415D-930F-3710EFAFF256}"/>
+              </a:ext>
+            </a:extLst>
+          </p:cNvPr>
+          <p:cNvSpPr>
+            <a:spLocks noGrp="1"/>
+          </p:cNvSpPr>
+          <p:nvPr>
+            <p:ph type="title"/>
+          </p:nvPr>
+        </p:nvSpPr>
+        <p:spPr/>
+        <p:txBody>
+          <a:bodyPr/>
+          <a:lstStyle/>
+          <a:p>
+            <a:r>
+              <a:rPr lang="zh-CN" altLang="en-US" dirty="0">
+                <a:cs typeface="+mn-ea"/>
+                <a:sym typeface="+mn-lt"/>
+              </a:rPr>
+              <a:t>除金融行业外，供应链行业发展最</a:t>
+            </a:r>
+            <a:r>
+              <a:rPr lang="zh-CN" altLang="en-US" dirty="0" smtClean="0">
+                <a:cs typeface="+mn-ea"/>
+                <a:sym typeface="+mn-lt"/>
+              </a:rPr>
+              <a:t>成熟</a:t>
+            </a:r>
+            <a:endParaRPr lang="zh-CN" altLang="en-US" dirty="0"/>
+          </a:p>
+        </p:txBody>
+      </p:sp>
+      <p:sp>
+        <p:nvSpPr>
+          <p:cNvPr id="4" name="灯片编号占位符 3">
+            <a:extLst>
+              <a:ext uri="{FF2B5EF4-FFF2-40B4-BE49-F238E27FC236}">
+                <a16:creationId xmlns="" xmlns:a16="http://schemas.microsoft.com/office/drawing/2014/main" id="{2DDAD426-1090-4A64-BC8D-4D5CD2326E9F}"/>
+              </a:ext>
+            </a:extLst>
+          </p:cNvPr>
+          <p:cNvSpPr>
+            <a:spLocks noGrp="1"/>
+          </p:cNvSpPr>
+          <p:nvPr>
+            <p:ph type="sldNum" sz="quarter" idx="12"/>
+          </p:nvPr>
+        </p:nvSpPr>
+        <p:spPr/>
+        <p:txBody>
+          <a:bodyPr/>
+          <a:lstStyle/>
+          <a:p>
+            <a:fld id="{5DD3DB80-B894-403A-B48E-6FDC1A72010E}" type="slidenum">
+              <a:rPr lang="zh-CN" altLang="en-US" smtClean="0"/>
+              <a:pPr/>
+              <a:t>16</a:t>
+            </a:fld>
+            <a:endParaRPr lang="zh-CN" altLang="en-US" dirty="0"/>
+          </a:p>
+        </p:txBody>
+      </p:sp>
+      <p:grpSp>
+        <p:nvGrpSpPr>
+          <p:cNvPr id="5" name="99df9b78-0bad-45b2-a47b-2cded0ae7740" descr="本素材由iSlide™ 提供&#10;iSlide™尊重知识产权并注重保护用户享有的各项权利。郑重提醒您：&#10;iSlide™插件中提供的任何信息内容的所有权、知识产权归其原始权利人或权利受让人所有，您免费/购买获得的是信息内容的使用权，并受下述条款的约束；&#10;1. 您仅可以个人非商业用途使用该等信息内容，不可将信息内容的全部或部分用于出售，或以出租、出借、转让、分销、发布等其他任何方式供他人使用；&#10;2. 禁止在接入互联网或移动互联网的任何网站、平台、应用或程序上以任何方式为他人提供iSlide™插件资源内容的下载。&#10;The resource is supplied by iSlide™.&#10;iSlide™ respects all intellectual property rights and protects all the rights its users acquired.Solemnly remind you:&#10;The ownership and intellectual property of the resources supplied in iSlide Add-in belongs to its owner or the assignee of this ownership.you only acquired the usage of the resources supplied in iSlide Add-in, as well as respected the following restrain terms:&#10;1.You are only allowed to use such resource for personal and non-commercial aim, not allowed to use such resource or part of it for the sale; or rent, lend, transfer to others; or distribution or release it in any way.&#10;2.You are not permitted to provide the resource of iSlide Add-in in any website, platform, application access to the Internet or mobile Internet.">
+            <a:extLst>
+              <a:ext uri="{FF2B5EF4-FFF2-40B4-BE49-F238E27FC236}">
+                <a16:creationId xmlns="" xmlns:a16="http://schemas.microsoft.com/office/drawing/2014/main" id="{956925CA-858E-4E4D-8532-640A56CA23CB}"/>
+              </a:ext>
+            </a:extLst>
+          </p:cNvPr>
+          <p:cNvGrpSpPr>
+            <a:grpSpLocks noChangeAspect="1"/>
+          </p:cNvGrpSpPr>
+          <p:nvPr>
+            <p:custDataLst>
+              <p:tags r:id="rId1"/>
+            </p:custDataLst>
+          </p:nvPr>
+        </p:nvGrpSpPr>
+        <p:grpSpPr>
+          <a:xfrm>
+            <a:off x="669924" y="2169073"/>
             <a:ext cx="10850564" cy="3095407"/>
             <a:chOff x="669924" y="2169073"/>
             <a:chExt cx="10850564" cy="3095407"/>
@@ -14227,7 +15445,7 @@
     </p:spTree>
     <p:extLst>
       <p:ext uri="{BB962C8B-B14F-4D97-AF65-F5344CB8AC3E}">
-        <p14:creationId xmlns:p14="http://schemas.microsoft.com/office/powerpoint/2010/main" val="3958743465"/>
+        <p14:creationId xmlns:p14="http://schemas.microsoft.com/office/powerpoint/2010/main" val="2713604367"/>
       </p:ext>
     </p:extLst>
   </p:cSld>
@@ -14244,7 +15462,7 @@
 </p:sld>
 </file>
 
-<file path=ppt/slides/slide16.xml><?xml version="1.0" encoding="utf-8"?>
+<file path=ppt/slides/slide17.xml><?xml version="1.0" encoding="utf-8"?>
 <p:sld xmlns:a="http://schemas.openxmlformats.org/drawingml/2006/main" xmlns:r="http://schemas.openxmlformats.org/officeDocument/2006/relationships" xmlns:p="http://schemas.openxmlformats.org/presentationml/2006/main">
   <p:cSld>
     <p:spTree>
@@ -14354,7 +15572,7 @@
                 <a:sym typeface="+mn-lt"/>
               </a:rPr>
               <a:pPr/>
-              <a:t>16</a:t>
+              <a:t>17</a:t>
             </a:fld>
             <a:endParaRPr lang="zh-CN" altLang="en-US">
               <a:cs typeface="+mn-ea"/>
@@ -14404,7 +15622,7 @@
                 <a:cs typeface="+mn-ea"/>
                 <a:sym typeface="+mn-lt"/>
               </a:rPr>
-              <a:t>追踪</a:t>
+              <a:t>追踪。</a:t>
             </a:r>
             <a:endParaRPr lang="zh-CN" altLang="en-US" sz="2000" dirty="0">
               <a:cs typeface="+mn-ea"/>
@@ -14579,7 +15797,7 @@
 </p:sld>
 </file>
 
-<file path=ppt/slides/slide17.xml><?xml version="1.0" encoding="utf-8"?>
+<file path=ppt/slides/slide18.xml><?xml version="1.0" encoding="utf-8"?>
 <p:sld xmlns:a="http://schemas.openxmlformats.org/drawingml/2006/main" xmlns:r="http://schemas.openxmlformats.org/officeDocument/2006/relationships" xmlns:p="http://schemas.openxmlformats.org/presentationml/2006/main">
   <p:cSld>
     <p:spTree>
@@ -14756,17 +15974,10 @@
                 <a:cs typeface="+mn-ea"/>
                 <a:sym typeface="+mn-lt"/>
               </a:rPr>
-              <a:t>从区块链本质和商业</a:t>
+              <a:t>从区块链本质和商业本质</a:t>
             </a:r>
             <a:r>
-              <a:rPr lang="zh-CN" altLang="en-US" sz="2000" smtClean="0">
-                <a:cs typeface="+mn-ea"/>
-                <a:sym typeface="+mn-lt"/>
-              </a:rPr>
-              <a:t>本质</a:t>
-            </a:r>
-            <a:r>
-              <a:rPr lang="zh-CN" altLang="en-US" sz="2000" smtClean="0">
+              <a:rPr lang="zh-CN" altLang="en-US" sz="2000" dirty="0" smtClean="0">
                 <a:cs typeface="+mn-ea"/>
                 <a:sym typeface="+mn-lt"/>
               </a:rPr>
@@ -14950,7 +16161,7 @@
 </p:sld>
 </file>
 
-<file path=ppt/slides/slide18.xml><?xml version="1.0" encoding="utf-8"?>
+<file path=ppt/slides/slide19.xml><?xml version="1.0" encoding="utf-8"?>
 <p:sld xmlns:a="http://schemas.openxmlformats.org/drawingml/2006/main" xmlns:r="http://schemas.openxmlformats.org/officeDocument/2006/relationships" xmlns:p="http://schemas.openxmlformats.org/presentationml/2006/main">
   <p:cSld>
     <p:spTree>
@@ -15049,7 +16260,395 @@
 </p:sld>
 </file>
 
-<file path=ppt/slides/slide19.xml><?xml version="1.0" encoding="utf-8"?>
+<file path=ppt/slides/slide2.xml><?xml version="1.0" encoding="utf-8"?>
+<p:sld xmlns:a="http://schemas.openxmlformats.org/drawingml/2006/main" xmlns:r="http://schemas.openxmlformats.org/officeDocument/2006/relationships" xmlns:p="http://schemas.openxmlformats.org/presentationml/2006/main">
+  <p:cSld>
+    <p:spTree>
+      <p:nvGrpSpPr>
+        <p:cNvPr id="1" name=""/>
+        <p:cNvGrpSpPr/>
+        <p:nvPr/>
+      </p:nvGrpSpPr>
+      <p:grpSpPr>
+        <a:xfrm>
+          <a:off x="0" y="0"/>
+          <a:ext cx="0" cy="0"/>
+          <a:chOff x="0" y="0"/>
+          <a:chExt cx="0" cy="0"/>
+        </a:xfrm>
+      </p:grpSpPr>
+      <p:pic>
+        <p:nvPicPr>
+          <p:cNvPr id="7" name="图形 6" descr="女学生">
+            <a:extLst>
+              <a:ext uri="{FF2B5EF4-FFF2-40B4-BE49-F238E27FC236}">
+                <a16:creationId xmlns="" xmlns:a16="http://schemas.microsoft.com/office/drawing/2014/main" id="{22E57231-6D93-9E4F-81C5-93A67C62FF71}"/>
+              </a:ext>
+            </a:extLst>
+          </p:cNvPr>
+          <p:cNvPicPr>
+            <a:picLocks noChangeAspect="1"/>
+          </p:cNvPicPr>
+          <p:nvPr/>
+        </p:nvPicPr>
+        <p:blipFill>
+          <a:blip r:embed="rId4" cstate="print">
+            <a:extLst>
+              <a:ext uri="{28A0092B-C50C-407E-A947-70E740481C1C}">
+                <a14:useLocalDpi xmlns:a14="http://schemas.microsoft.com/office/drawing/2010/main" val="0"/>
+              </a:ext>
+              <a:ext uri="{96DAC541-7B7A-43D3-8B79-37D633B846F1}">
+                <asvg:svgBlip xmlns="" xmlns:asvg="http://schemas.microsoft.com/office/drawing/2016/SVG/main" r:embed="rId5"/>
+              </a:ext>
+            </a:extLst>
+          </a:blip>
+          <a:stretch>
+            <a:fillRect/>
+          </a:stretch>
+        </p:blipFill>
+        <p:spPr>
+          <a:xfrm>
+            <a:off x="8927040" y="3900785"/>
+            <a:ext cx="2381303" cy="2381303"/>
+          </a:xfrm>
+          <a:prstGeom prst="rect">
+            <a:avLst/>
+          </a:prstGeom>
+        </p:spPr>
+      </p:pic>
+      <p:sp>
+        <p:nvSpPr>
+          <p:cNvPr id="8" name="线形标注 2 7">
+            <a:extLst>
+              <a:ext uri="{FF2B5EF4-FFF2-40B4-BE49-F238E27FC236}">
+                <a16:creationId xmlns="" xmlns:a16="http://schemas.microsoft.com/office/drawing/2014/main" id="{53357760-6DA5-774B-97C3-2984C57B4019}"/>
+              </a:ext>
+            </a:extLst>
+          </p:cNvPr>
+          <p:cNvSpPr/>
+          <p:nvPr/>
+        </p:nvSpPr>
+        <p:spPr>
+          <a:xfrm>
+            <a:off x="3006154" y="1162050"/>
+            <a:ext cx="4613846" cy="2305049"/>
+          </a:xfrm>
+          <a:prstGeom prst="rect">
+            <a:avLst/>
+          </a:prstGeom>
+          <a:solidFill>
+            <a:schemeClr val="accent1">
+              <a:lumMod val="50000"/>
+            </a:schemeClr>
+          </a:solidFill>
+        </p:spPr>
+        <p:style>
+          <a:lnRef idx="2">
+            <a:schemeClr val="accent1">
+              <a:shade val="50000"/>
+            </a:schemeClr>
+          </a:lnRef>
+          <a:fillRef idx="1">
+            <a:schemeClr val="accent1"/>
+          </a:fillRef>
+          <a:effectRef idx="0">
+            <a:schemeClr val="accent1"/>
+          </a:effectRef>
+          <a:fontRef idx="minor">
+            <a:schemeClr val="lt1"/>
+          </a:fontRef>
+        </p:style>
+        <p:txBody>
+          <a:bodyPr rtlCol="0" anchor="ctr"/>
+          <a:lstStyle/>
+          <a:p>
+            <a:r>
+              <a:rPr lang="zh-CN" altLang="zh-CN" sz="2000" dirty="0" smtClean="0"/>
+              <a:t>最近区块链很火，隔壁老张买比特币都财富自由了，隔壁老王农场用区块链养鸡，卖</a:t>
+            </a:r>
+            <a:r>
+              <a:rPr lang="en-US" altLang="zh-CN" sz="2000" dirty="0" smtClean="0"/>
+              <a:t>238</a:t>
+            </a:r>
+            <a:r>
+              <a:rPr lang="zh-CN" altLang="zh-CN" sz="2000" dirty="0" smtClean="0"/>
+              <a:t>一只，还供不应求。</a:t>
+            </a:r>
+          </a:p>
+          <a:p>
+            <a:r>
+              <a:rPr lang="zh-CN" altLang="zh-CN" sz="2000" dirty="0" smtClean="0"/>
+              <a:t>我是不是也该投点钱到区块链，躺着赚钱，让家产翻倍呢</a:t>
+            </a:r>
+            <a:r>
+              <a:rPr lang="zh-CN" altLang="en-US" sz="2000" dirty="0" smtClean="0"/>
+              <a:t>，你觉得怎么样</a:t>
+            </a:r>
+            <a:r>
+              <a:rPr lang="zh-CN" altLang="zh-CN" sz="2000" dirty="0" smtClean="0"/>
+              <a:t>？</a:t>
+            </a:r>
+            <a:endParaRPr lang="zh-CN" altLang="zh-CN" sz="2000" dirty="0"/>
+          </a:p>
+        </p:txBody>
+      </p:sp>
+      <p:grpSp>
+        <p:nvGrpSpPr>
+          <p:cNvPr id="2" name="组合 1">
+            <a:extLst>
+              <a:ext uri="{FF2B5EF4-FFF2-40B4-BE49-F238E27FC236}">
+                <a16:creationId xmlns="" xmlns:a16="http://schemas.microsoft.com/office/drawing/2014/main" id="{F12244A7-590C-4978-B278-B2FAE05A0034}"/>
+              </a:ext>
+            </a:extLst>
+          </p:cNvPr>
+          <p:cNvGrpSpPr/>
+          <p:nvPr/>
+        </p:nvGrpSpPr>
+        <p:grpSpPr>
+          <a:xfrm>
+            <a:off x="397937" y="1265544"/>
+            <a:ext cx="2492991" cy="3096906"/>
+            <a:chOff x="136763" y="436559"/>
+            <a:chExt cx="2492991" cy="3096906"/>
+          </a:xfrm>
+        </p:grpSpPr>
+        <p:pic>
+          <p:nvPicPr>
+            <p:cNvPr id="4" name="图形 3" descr="女性形象">
+              <a:extLst>
+                <a:ext uri="{FF2B5EF4-FFF2-40B4-BE49-F238E27FC236}">
+                  <a16:creationId xmlns="" xmlns:a16="http://schemas.microsoft.com/office/drawing/2014/main" id="{4592F192-E4E5-3F48-9584-78C0EE13EBC5}"/>
+                </a:ext>
+              </a:extLst>
+            </p:cNvPr>
+            <p:cNvPicPr>
+              <a:picLocks noChangeAspect="1"/>
+            </p:cNvPicPr>
+            <p:nvPr/>
+          </p:nvPicPr>
+          <p:blipFill>
+            <a:blip r:embed="rId6" cstate="print">
+              <a:extLst>
+                <a:ext uri="{28A0092B-C50C-407E-A947-70E740481C1C}">
+                  <a14:useLocalDpi xmlns:a14="http://schemas.microsoft.com/office/drawing/2010/main" val="0"/>
+                </a:ext>
+                <a:ext uri="{96DAC541-7B7A-43D3-8B79-37D633B846F1}">
+                  <asvg:svgBlip xmlns="" xmlns:asvg="http://schemas.microsoft.com/office/drawing/2016/SVG/main" r:embed="rId7"/>
+                </a:ext>
+              </a:extLst>
+            </a:blip>
+            <a:stretch>
+              <a:fillRect/>
+            </a:stretch>
+          </p:blipFill>
+          <p:spPr>
+            <a:xfrm>
+              <a:off x="252179" y="436559"/>
+              <a:ext cx="2226040" cy="2226040"/>
+            </a:xfrm>
+            <a:prstGeom prst="rect">
+              <a:avLst/>
+            </a:prstGeom>
+          </p:spPr>
+        </p:pic>
+        <p:sp>
+          <p:nvSpPr>
+            <p:cNvPr id="9" name="矩形 8">
+              <a:extLst>
+                <a:ext uri="{FF2B5EF4-FFF2-40B4-BE49-F238E27FC236}">
+                  <a16:creationId xmlns="" xmlns:a16="http://schemas.microsoft.com/office/drawing/2014/main" id="{EAC89A32-3FA3-194F-9070-253906390B00}"/>
+                </a:ext>
+              </a:extLst>
+            </p:cNvPr>
+            <p:cNvSpPr/>
+            <p:nvPr/>
+          </p:nvSpPr>
+          <p:spPr>
+            <a:xfrm>
+              <a:off x="136763" y="2610135"/>
+              <a:ext cx="2492991" cy="923330"/>
+            </a:xfrm>
+            <a:prstGeom prst="rect">
+              <a:avLst/>
+            </a:prstGeom>
+          </p:spPr>
+          <p:txBody>
+            <a:bodyPr wrap="none">
+              <a:spAutoFit/>
+            </a:bodyPr>
+            <a:lstStyle/>
+            <a:p>
+              <a:pPr algn="ctr"/>
+              <a:r>
+                <a:rPr lang="zh-CN" altLang="en-US" dirty="0" smtClean="0">
+                  <a:cs typeface="+mn-ea"/>
+                  <a:sym typeface="+mn-lt"/>
+                </a:rPr>
+                <a:t>追逐投资热点</a:t>
+              </a:r>
+              <a:endParaRPr lang="en-US" altLang="zh-CN" dirty="0" smtClean="0">
+                <a:cs typeface="+mn-ea"/>
+                <a:sym typeface="+mn-lt"/>
+              </a:endParaRPr>
+            </a:p>
+            <a:p>
+              <a:pPr algn="ctr"/>
+              <a:r>
+                <a:rPr lang="zh-CN" altLang="en-US" dirty="0" smtClean="0">
+                  <a:cs typeface="+mn-ea"/>
+                  <a:sym typeface="+mn-lt"/>
+                </a:rPr>
+                <a:t>信息来源为“听人说”</a:t>
+              </a:r>
+              <a:endParaRPr lang="en-US" altLang="zh-CN" dirty="0" smtClean="0">
+                <a:cs typeface="+mn-ea"/>
+                <a:sym typeface="+mn-lt"/>
+              </a:endParaRPr>
+            </a:p>
+            <a:p>
+              <a:pPr algn="ctr"/>
+              <a:r>
+                <a:rPr lang="zh-CN" altLang="en-US" dirty="0" smtClean="0">
+                  <a:cs typeface="+mn-ea"/>
+                  <a:sym typeface="+mn-lt"/>
+                </a:rPr>
+                <a:t>的母亲大人</a:t>
+              </a:r>
+              <a:endParaRPr lang="zh-CN" altLang="en-US" dirty="0"/>
+            </a:p>
+          </p:txBody>
+        </p:sp>
+      </p:grpSp>
+      <p:sp>
+        <p:nvSpPr>
+          <p:cNvPr id="10" name="矩形 9">
+            <a:extLst>
+              <a:ext uri="{FF2B5EF4-FFF2-40B4-BE49-F238E27FC236}">
+                <a16:creationId xmlns="" xmlns:a16="http://schemas.microsoft.com/office/drawing/2014/main" id="{43599F26-B995-1B42-8E56-EBCC8B6576D6}"/>
+              </a:ext>
+            </a:extLst>
+          </p:cNvPr>
+          <p:cNvSpPr/>
+          <p:nvPr/>
+        </p:nvSpPr>
+        <p:spPr>
+          <a:xfrm>
+            <a:off x="9046185" y="6097422"/>
+            <a:ext cx="2262158" cy="369332"/>
+          </a:xfrm>
+          <a:prstGeom prst="rect">
+            <a:avLst/>
+          </a:prstGeom>
+        </p:spPr>
+        <p:txBody>
+          <a:bodyPr wrap="none">
+            <a:spAutoFit/>
+          </a:bodyPr>
+          <a:lstStyle/>
+          <a:p>
+            <a:r>
+              <a:rPr lang="zh-CN" altLang="en-US" dirty="0" smtClean="0">
+                <a:cs typeface="+mn-ea"/>
+                <a:sym typeface="+mn-lt"/>
+              </a:rPr>
+              <a:t>擅长信息分析的</a:t>
+            </a:r>
+            <a:r>
+              <a:rPr lang="zh-CN" altLang="en-US" dirty="0">
+                <a:cs typeface="+mn-ea"/>
+                <a:sym typeface="+mn-lt"/>
+              </a:rPr>
+              <a:t>女儿</a:t>
+            </a:r>
+            <a:endParaRPr lang="zh-CN" altLang="en-US" dirty="0"/>
+          </a:p>
+        </p:txBody>
+      </p:sp>
+      <p:sp>
+        <p:nvSpPr>
+          <p:cNvPr id="13" name="线形标注 1 12">
+            <a:extLst>
+              <a:ext uri="{FF2B5EF4-FFF2-40B4-BE49-F238E27FC236}">
+                <a16:creationId xmlns="" xmlns:a16="http://schemas.microsoft.com/office/drawing/2014/main" id="{A12DB925-7D6C-F14E-9FCE-CB423B3C9BE3}"/>
+              </a:ext>
+            </a:extLst>
+          </p:cNvPr>
+          <p:cNvSpPr/>
+          <p:nvPr/>
+        </p:nvSpPr>
+        <p:spPr>
+          <a:xfrm>
+            <a:off x="4166594" y="4362450"/>
+            <a:ext cx="4680000" cy="1673438"/>
+          </a:xfrm>
+          <a:prstGeom prst="rect">
+            <a:avLst/>
+          </a:prstGeom>
+          <a:solidFill>
+            <a:schemeClr val="accent2"/>
+          </a:solidFill>
+          <a:ln>
+            <a:solidFill>
+              <a:srgbClr val="1B9ED2"/>
+            </a:solidFill>
+          </a:ln>
+        </p:spPr>
+        <p:style>
+          <a:lnRef idx="2">
+            <a:schemeClr val="accent1">
+              <a:shade val="50000"/>
+            </a:schemeClr>
+          </a:lnRef>
+          <a:fillRef idx="1">
+            <a:schemeClr val="accent1"/>
+          </a:fillRef>
+          <a:effectRef idx="0">
+            <a:schemeClr val="accent1"/>
+          </a:effectRef>
+          <a:fontRef idx="minor">
+            <a:schemeClr val="lt1"/>
+          </a:fontRef>
+        </p:style>
+        <p:txBody>
+          <a:bodyPr rtlCol="0" anchor="ctr"/>
+          <a:lstStyle/>
+          <a:p>
+            <a:pPr marL="0" lvl="1"/>
+            <a:r>
+              <a:rPr lang="zh-CN" altLang="en-US" sz="2000" dirty="0" smtClean="0">
+                <a:cs typeface="+mn-ea"/>
+                <a:sym typeface="+mn-lt"/>
+              </a:rPr>
+              <a:t>妈，投资不能追热点，需要仔细分析，找到价值投资点，刚好最近我在开智学信息分析，研究了区块链，就让我来给您讲讲区块链的前世今生吧。</a:t>
+            </a:r>
+            <a:endParaRPr lang="en-US" altLang="zh-CN" sz="2000" dirty="0" smtClean="0">
+              <a:cs typeface="+mn-ea"/>
+              <a:sym typeface="+mn-lt"/>
+            </a:endParaRPr>
+          </a:p>
+        </p:txBody>
+      </p:sp>
+    </p:spTree>
+    <p:extLst>
+      <p:ext uri="{BB962C8B-B14F-4D97-AF65-F5344CB8AC3E}">
+        <p14:creationId xmlns:p14="http://schemas.microsoft.com/office/powerpoint/2010/main" val="258609494"/>
+      </p:ext>
+    </p:extLst>
+  </p:cSld>
+  <p:clrMapOvr>
+    <a:masterClrMapping/>
+  </p:clrMapOvr>
+  <p:timing>
+    <p:tnLst>
+      <p:par>
+        <p:cTn id="1" dur="indefinite" restart="never" nodeType="tmRoot"/>
+      </p:par>
+    </p:tnLst>
+  </p:timing>
+</p:sld>
+</file>
+
+<file path=ppt/slides/slide20.xml><?xml version="1.0" encoding="utf-8"?>
 <p:sld xmlns:a="http://schemas.openxmlformats.org/drawingml/2006/main" xmlns:r="http://schemas.openxmlformats.org/officeDocument/2006/relationships" xmlns:p="http://schemas.openxmlformats.org/presentationml/2006/main">
   <p:cSld>
     <p:spTree>
@@ -15124,7 +16723,7 @@
             <a:fld id="{5DD3DB80-B894-403A-B48E-6FDC1A72010E}" type="slidenum">
               <a:rPr lang="zh-CN" altLang="en-US" smtClean="0"/>
               <a:pPr/>
-              <a:t>19</a:t>
+              <a:t>20</a:t>
             </a:fld>
             <a:endParaRPr lang="zh-CN" altLang="en-US" dirty="0"/>
           </a:p>
@@ -17146,395 +18745,7 @@
 </p:sld>
 </file>
 
-<file path=ppt/slides/slide2.xml><?xml version="1.0" encoding="utf-8"?>
-<p:sld xmlns:a="http://schemas.openxmlformats.org/drawingml/2006/main" xmlns:r="http://schemas.openxmlformats.org/officeDocument/2006/relationships" xmlns:p="http://schemas.openxmlformats.org/presentationml/2006/main">
-  <p:cSld>
-    <p:spTree>
-      <p:nvGrpSpPr>
-        <p:cNvPr id="1" name=""/>
-        <p:cNvGrpSpPr/>
-        <p:nvPr/>
-      </p:nvGrpSpPr>
-      <p:grpSpPr>
-        <a:xfrm>
-          <a:off x="0" y="0"/>
-          <a:ext cx="0" cy="0"/>
-          <a:chOff x="0" y="0"/>
-          <a:chExt cx="0" cy="0"/>
-        </a:xfrm>
-      </p:grpSpPr>
-      <p:pic>
-        <p:nvPicPr>
-          <p:cNvPr id="7" name="图形 6" descr="女学生">
-            <a:extLst>
-              <a:ext uri="{FF2B5EF4-FFF2-40B4-BE49-F238E27FC236}">
-                <a16:creationId xmlns="" xmlns:a16="http://schemas.microsoft.com/office/drawing/2014/main" id="{22E57231-6D93-9E4F-81C5-93A67C62FF71}"/>
-              </a:ext>
-            </a:extLst>
-          </p:cNvPr>
-          <p:cNvPicPr>
-            <a:picLocks noChangeAspect="1"/>
-          </p:cNvPicPr>
-          <p:nvPr/>
-        </p:nvPicPr>
-        <p:blipFill>
-          <a:blip r:embed="rId4" cstate="print">
-            <a:extLst>
-              <a:ext uri="{28A0092B-C50C-407E-A947-70E740481C1C}">
-                <a14:useLocalDpi xmlns:a14="http://schemas.microsoft.com/office/drawing/2010/main" val="0"/>
-              </a:ext>
-              <a:ext uri="{96DAC541-7B7A-43D3-8B79-37D633B846F1}">
-                <asvg:svgBlip xmlns="" xmlns:asvg="http://schemas.microsoft.com/office/drawing/2016/SVG/main" r:embed="rId5"/>
-              </a:ext>
-            </a:extLst>
-          </a:blip>
-          <a:stretch>
-            <a:fillRect/>
-          </a:stretch>
-        </p:blipFill>
-        <p:spPr>
-          <a:xfrm>
-            <a:off x="8927040" y="3900785"/>
-            <a:ext cx="2381303" cy="2381303"/>
-          </a:xfrm>
-          <a:prstGeom prst="rect">
-            <a:avLst/>
-          </a:prstGeom>
-        </p:spPr>
-      </p:pic>
-      <p:sp>
-        <p:nvSpPr>
-          <p:cNvPr id="8" name="线形标注 2 7">
-            <a:extLst>
-              <a:ext uri="{FF2B5EF4-FFF2-40B4-BE49-F238E27FC236}">
-                <a16:creationId xmlns="" xmlns:a16="http://schemas.microsoft.com/office/drawing/2014/main" id="{53357760-6DA5-774B-97C3-2984C57B4019}"/>
-              </a:ext>
-            </a:extLst>
-          </p:cNvPr>
-          <p:cNvSpPr/>
-          <p:nvPr/>
-        </p:nvSpPr>
-        <p:spPr>
-          <a:xfrm>
-            <a:off x="3006154" y="1162050"/>
-            <a:ext cx="4613846" cy="2305049"/>
-          </a:xfrm>
-          <a:prstGeom prst="rect">
-            <a:avLst/>
-          </a:prstGeom>
-          <a:solidFill>
-            <a:schemeClr val="accent1">
-              <a:lumMod val="50000"/>
-            </a:schemeClr>
-          </a:solidFill>
-        </p:spPr>
-        <p:style>
-          <a:lnRef idx="2">
-            <a:schemeClr val="accent1">
-              <a:shade val="50000"/>
-            </a:schemeClr>
-          </a:lnRef>
-          <a:fillRef idx="1">
-            <a:schemeClr val="accent1"/>
-          </a:fillRef>
-          <a:effectRef idx="0">
-            <a:schemeClr val="accent1"/>
-          </a:effectRef>
-          <a:fontRef idx="minor">
-            <a:schemeClr val="lt1"/>
-          </a:fontRef>
-        </p:style>
-        <p:txBody>
-          <a:bodyPr rtlCol="0" anchor="ctr"/>
-          <a:lstStyle/>
-          <a:p>
-            <a:r>
-              <a:rPr lang="zh-CN" altLang="zh-CN" sz="2000" dirty="0" smtClean="0"/>
-              <a:t>最近区块链很火，隔壁老张买比特币都财富自由了，隔壁老王农场用区块链养鸡，卖</a:t>
-            </a:r>
-            <a:r>
-              <a:rPr lang="en-US" altLang="zh-CN" sz="2000" dirty="0" smtClean="0"/>
-              <a:t>238</a:t>
-            </a:r>
-            <a:r>
-              <a:rPr lang="zh-CN" altLang="zh-CN" sz="2000" dirty="0" smtClean="0"/>
-              <a:t>一只，还供不应求。</a:t>
-            </a:r>
-          </a:p>
-          <a:p>
-            <a:r>
-              <a:rPr lang="zh-CN" altLang="zh-CN" sz="2000" dirty="0" smtClean="0"/>
-              <a:t>我是不是也该投点钱到区块链，躺着赚钱，让家产翻倍呢</a:t>
-            </a:r>
-            <a:r>
-              <a:rPr lang="zh-CN" altLang="en-US" sz="2000" dirty="0" smtClean="0"/>
-              <a:t>，你觉得怎么样</a:t>
-            </a:r>
-            <a:r>
-              <a:rPr lang="zh-CN" altLang="zh-CN" sz="2000" dirty="0" smtClean="0"/>
-              <a:t>？</a:t>
-            </a:r>
-            <a:endParaRPr lang="zh-CN" altLang="zh-CN" sz="2000" dirty="0"/>
-          </a:p>
-        </p:txBody>
-      </p:sp>
-      <p:grpSp>
-        <p:nvGrpSpPr>
-          <p:cNvPr id="2" name="组合 1">
-            <a:extLst>
-              <a:ext uri="{FF2B5EF4-FFF2-40B4-BE49-F238E27FC236}">
-                <a16:creationId xmlns="" xmlns:a16="http://schemas.microsoft.com/office/drawing/2014/main" id="{F12244A7-590C-4978-B278-B2FAE05A0034}"/>
-              </a:ext>
-            </a:extLst>
-          </p:cNvPr>
-          <p:cNvGrpSpPr/>
-          <p:nvPr/>
-        </p:nvGrpSpPr>
-        <p:grpSpPr>
-          <a:xfrm>
-            <a:off x="397937" y="1265544"/>
-            <a:ext cx="2492991" cy="3096906"/>
-            <a:chOff x="136763" y="436559"/>
-            <a:chExt cx="2492991" cy="3096906"/>
-          </a:xfrm>
-        </p:grpSpPr>
-        <p:pic>
-          <p:nvPicPr>
-            <p:cNvPr id="4" name="图形 3" descr="女性形象">
-              <a:extLst>
-                <a:ext uri="{FF2B5EF4-FFF2-40B4-BE49-F238E27FC236}">
-                  <a16:creationId xmlns="" xmlns:a16="http://schemas.microsoft.com/office/drawing/2014/main" id="{4592F192-E4E5-3F48-9584-78C0EE13EBC5}"/>
-                </a:ext>
-              </a:extLst>
-            </p:cNvPr>
-            <p:cNvPicPr>
-              <a:picLocks noChangeAspect="1"/>
-            </p:cNvPicPr>
-            <p:nvPr/>
-          </p:nvPicPr>
-          <p:blipFill>
-            <a:blip r:embed="rId6" cstate="print">
-              <a:extLst>
-                <a:ext uri="{28A0092B-C50C-407E-A947-70E740481C1C}">
-                  <a14:useLocalDpi xmlns:a14="http://schemas.microsoft.com/office/drawing/2010/main" val="0"/>
-                </a:ext>
-                <a:ext uri="{96DAC541-7B7A-43D3-8B79-37D633B846F1}">
-                  <asvg:svgBlip xmlns="" xmlns:asvg="http://schemas.microsoft.com/office/drawing/2016/SVG/main" r:embed="rId7"/>
-                </a:ext>
-              </a:extLst>
-            </a:blip>
-            <a:stretch>
-              <a:fillRect/>
-            </a:stretch>
-          </p:blipFill>
-          <p:spPr>
-            <a:xfrm>
-              <a:off x="252179" y="436559"/>
-              <a:ext cx="2226040" cy="2226040"/>
-            </a:xfrm>
-            <a:prstGeom prst="rect">
-              <a:avLst/>
-            </a:prstGeom>
-          </p:spPr>
-        </p:pic>
-        <p:sp>
-          <p:nvSpPr>
-            <p:cNvPr id="9" name="矩形 8">
-              <a:extLst>
-                <a:ext uri="{FF2B5EF4-FFF2-40B4-BE49-F238E27FC236}">
-                  <a16:creationId xmlns="" xmlns:a16="http://schemas.microsoft.com/office/drawing/2014/main" id="{EAC89A32-3FA3-194F-9070-253906390B00}"/>
-                </a:ext>
-              </a:extLst>
-            </p:cNvPr>
-            <p:cNvSpPr/>
-            <p:nvPr/>
-          </p:nvSpPr>
-          <p:spPr>
-            <a:xfrm>
-              <a:off x="136763" y="2610135"/>
-              <a:ext cx="2492991" cy="923330"/>
-            </a:xfrm>
-            <a:prstGeom prst="rect">
-              <a:avLst/>
-            </a:prstGeom>
-          </p:spPr>
-          <p:txBody>
-            <a:bodyPr wrap="none">
-              <a:spAutoFit/>
-            </a:bodyPr>
-            <a:lstStyle/>
-            <a:p>
-              <a:pPr algn="ctr"/>
-              <a:r>
-                <a:rPr lang="zh-CN" altLang="en-US" dirty="0" smtClean="0">
-                  <a:cs typeface="+mn-ea"/>
-                  <a:sym typeface="+mn-lt"/>
-                </a:rPr>
-                <a:t>追逐投资热点</a:t>
-              </a:r>
-              <a:endParaRPr lang="en-US" altLang="zh-CN" dirty="0" smtClean="0">
-                <a:cs typeface="+mn-ea"/>
-                <a:sym typeface="+mn-lt"/>
-              </a:endParaRPr>
-            </a:p>
-            <a:p>
-              <a:pPr algn="ctr"/>
-              <a:r>
-                <a:rPr lang="zh-CN" altLang="en-US" dirty="0" smtClean="0">
-                  <a:cs typeface="+mn-ea"/>
-                  <a:sym typeface="+mn-lt"/>
-                </a:rPr>
-                <a:t>信息来源为“听人说”</a:t>
-              </a:r>
-              <a:endParaRPr lang="en-US" altLang="zh-CN" dirty="0" smtClean="0">
-                <a:cs typeface="+mn-ea"/>
-                <a:sym typeface="+mn-lt"/>
-              </a:endParaRPr>
-            </a:p>
-            <a:p>
-              <a:pPr algn="ctr"/>
-              <a:r>
-                <a:rPr lang="zh-CN" altLang="en-US" dirty="0" smtClean="0">
-                  <a:cs typeface="+mn-ea"/>
-                  <a:sym typeface="+mn-lt"/>
-                </a:rPr>
-                <a:t>的母亲大人</a:t>
-              </a:r>
-              <a:endParaRPr lang="zh-CN" altLang="en-US" dirty="0"/>
-            </a:p>
-          </p:txBody>
-        </p:sp>
-      </p:grpSp>
-      <p:sp>
-        <p:nvSpPr>
-          <p:cNvPr id="10" name="矩形 9">
-            <a:extLst>
-              <a:ext uri="{FF2B5EF4-FFF2-40B4-BE49-F238E27FC236}">
-                <a16:creationId xmlns="" xmlns:a16="http://schemas.microsoft.com/office/drawing/2014/main" id="{43599F26-B995-1B42-8E56-EBCC8B6576D6}"/>
-              </a:ext>
-            </a:extLst>
-          </p:cNvPr>
-          <p:cNvSpPr/>
-          <p:nvPr/>
-        </p:nvSpPr>
-        <p:spPr>
-          <a:xfrm>
-            <a:off x="9046185" y="6097422"/>
-            <a:ext cx="2262158" cy="369332"/>
-          </a:xfrm>
-          <a:prstGeom prst="rect">
-            <a:avLst/>
-          </a:prstGeom>
-        </p:spPr>
-        <p:txBody>
-          <a:bodyPr wrap="none">
-            <a:spAutoFit/>
-          </a:bodyPr>
-          <a:lstStyle/>
-          <a:p>
-            <a:r>
-              <a:rPr lang="zh-CN" altLang="en-US" dirty="0" smtClean="0">
-                <a:cs typeface="+mn-ea"/>
-                <a:sym typeface="+mn-lt"/>
-              </a:rPr>
-              <a:t>擅长信息分析的</a:t>
-            </a:r>
-            <a:r>
-              <a:rPr lang="zh-CN" altLang="en-US" dirty="0">
-                <a:cs typeface="+mn-ea"/>
-                <a:sym typeface="+mn-lt"/>
-              </a:rPr>
-              <a:t>女儿</a:t>
-            </a:r>
-            <a:endParaRPr lang="zh-CN" altLang="en-US" dirty="0"/>
-          </a:p>
-        </p:txBody>
-      </p:sp>
-      <p:sp>
-        <p:nvSpPr>
-          <p:cNvPr id="13" name="线形标注 1 12">
-            <a:extLst>
-              <a:ext uri="{FF2B5EF4-FFF2-40B4-BE49-F238E27FC236}">
-                <a16:creationId xmlns="" xmlns:a16="http://schemas.microsoft.com/office/drawing/2014/main" id="{A12DB925-7D6C-F14E-9FCE-CB423B3C9BE3}"/>
-              </a:ext>
-            </a:extLst>
-          </p:cNvPr>
-          <p:cNvSpPr/>
-          <p:nvPr/>
-        </p:nvSpPr>
-        <p:spPr>
-          <a:xfrm>
-            <a:off x="4166594" y="4362450"/>
-            <a:ext cx="4680000" cy="1673438"/>
-          </a:xfrm>
-          <a:prstGeom prst="rect">
-            <a:avLst/>
-          </a:prstGeom>
-          <a:solidFill>
-            <a:schemeClr val="accent2"/>
-          </a:solidFill>
-          <a:ln>
-            <a:solidFill>
-              <a:srgbClr val="1B9ED2"/>
-            </a:solidFill>
-          </a:ln>
-        </p:spPr>
-        <p:style>
-          <a:lnRef idx="2">
-            <a:schemeClr val="accent1">
-              <a:shade val="50000"/>
-            </a:schemeClr>
-          </a:lnRef>
-          <a:fillRef idx="1">
-            <a:schemeClr val="accent1"/>
-          </a:fillRef>
-          <a:effectRef idx="0">
-            <a:schemeClr val="accent1"/>
-          </a:effectRef>
-          <a:fontRef idx="minor">
-            <a:schemeClr val="lt1"/>
-          </a:fontRef>
-        </p:style>
-        <p:txBody>
-          <a:bodyPr rtlCol="0" anchor="ctr"/>
-          <a:lstStyle/>
-          <a:p>
-            <a:pPr marL="0" lvl="1"/>
-            <a:r>
-              <a:rPr lang="zh-CN" altLang="en-US" sz="2000" dirty="0" smtClean="0">
-                <a:cs typeface="+mn-ea"/>
-                <a:sym typeface="+mn-lt"/>
-              </a:rPr>
-              <a:t>妈，投资不能追热点，需要仔细分析，找到价值投资点，刚好最近我在开智学信息分析，研究了区块链，就让我来给您讲讲区块链的前世今生吧。</a:t>
-            </a:r>
-            <a:endParaRPr lang="en-US" altLang="zh-CN" sz="2000" dirty="0" smtClean="0">
-              <a:cs typeface="+mn-ea"/>
-              <a:sym typeface="+mn-lt"/>
-            </a:endParaRPr>
-          </a:p>
-        </p:txBody>
-      </p:sp>
-    </p:spTree>
-    <p:extLst>
-      <p:ext uri="{BB962C8B-B14F-4D97-AF65-F5344CB8AC3E}">
-        <p14:creationId xmlns:p14="http://schemas.microsoft.com/office/powerpoint/2010/main" val="258609494"/>
-      </p:ext>
-    </p:extLst>
-  </p:cSld>
-  <p:clrMapOvr>
-    <a:masterClrMapping/>
-  </p:clrMapOvr>
-  <p:timing>
-    <p:tnLst>
-      <p:par>
-        <p:cTn id="1" dur="indefinite" restart="never" nodeType="tmRoot"/>
-      </p:par>
-    </p:tnLst>
-  </p:timing>
-</p:sld>
-</file>
-
-<file path=ppt/slides/slide20.xml><?xml version="1.0" encoding="utf-8"?>
+<file path=ppt/slides/slide21.xml><?xml version="1.0" encoding="utf-8"?>
 <p:sld xmlns:a="http://schemas.openxmlformats.org/drawingml/2006/main" xmlns:r="http://schemas.openxmlformats.org/officeDocument/2006/relationships" xmlns:p="http://schemas.openxmlformats.org/presentationml/2006/main">
   <p:cSld>
     <p:spTree>
@@ -18412,7 +19623,7 @@
 </p:sld>
 </file>
 
-<file path=ppt/slides/slide21.xml><?xml version="1.0" encoding="utf-8"?>
+<file path=ppt/slides/slide22.xml><?xml version="1.0" encoding="utf-8"?>
 <p:sld xmlns:a="http://schemas.openxmlformats.org/drawingml/2006/main" xmlns:r="http://schemas.openxmlformats.org/officeDocument/2006/relationships" xmlns:p="http://schemas.openxmlformats.org/presentationml/2006/main">
   <p:cSld>
     <p:spTree>
@@ -18447,7 +19658,7 @@
             <a:fld id="{5DD3DB80-B894-403A-B48E-6FDC1A72010E}" type="slidenum">
               <a:rPr lang="zh-CN" altLang="en-US" smtClean="0"/>
               <a:pPr/>
-              <a:t>21</a:t>
+              <a:t>22</a:t>
             </a:fld>
             <a:endParaRPr lang="zh-CN" altLang="en-US"/>
           </a:p>
@@ -18515,14 +19726,14 @@
           <p:nvPr>
             <p:extLst>
               <p:ext uri="{D42A27DB-BD31-4B8C-83A1-F6EECF244321}">
-                <p14:modId xmlns:p14="http://schemas.microsoft.com/office/powerpoint/2010/main" val="564441431"/>
+                <p14:modId xmlns:p14="http://schemas.microsoft.com/office/powerpoint/2010/main" val="4040976465"/>
               </p:ext>
             </p:extLst>
           </p:nvPr>
         </p:nvGraphicFramePr>
         <p:xfrm>
-          <a:off x="720359" y="1288913"/>
-          <a:ext cx="10501822" cy="5365635"/>
+          <a:off x="720359" y="1303427"/>
+          <a:ext cx="10501822" cy="5345937"/>
         </p:xfrm>
         <a:graphic>
           <a:graphicData uri="http://schemas.openxmlformats.org/drawingml/2006/table">
@@ -18533,8 +19744,8 @@
               <a:tblGrid>
                 <a:gridCol w="1844303"/>
                 <a:gridCol w="1081289"/>
-                <a:gridCol w="928525"/>
-                <a:gridCol w="6647705"/>
+                <a:gridCol w="1027649"/>
+                <a:gridCol w="6548581"/>
               </a:tblGrid>
               <a:tr h="528942">
                 <a:tc>
@@ -19666,7 +20877,7 @@
 </p:sld>
 </file>
 
-<file path=ppt/slides/slide22.xml><?xml version="1.0" encoding="utf-8"?>
+<file path=ppt/slides/slide23.xml><?xml version="1.0" encoding="utf-8"?>
 <p:sld xmlns:a="http://schemas.openxmlformats.org/drawingml/2006/main" xmlns:r="http://schemas.openxmlformats.org/officeDocument/2006/relationships" xmlns:p="http://schemas.openxmlformats.org/presentationml/2006/main">
   <p:cSld>
     <p:spTree>
@@ -19690,7 +20901,7 @@
           <p:nvPr>
             <p:extLst>
               <p:ext uri="{D42A27DB-BD31-4B8C-83A1-F6EECF244321}">
-                <p14:modId xmlns:p14="http://schemas.microsoft.com/office/powerpoint/2010/main" val="2273898700"/>
+                <p14:modId xmlns:p14="http://schemas.microsoft.com/office/powerpoint/2010/main" val="864034757"/>
               </p:ext>
             </p:extLst>
           </p:nvPr>
@@ -19713,7 +20924,7 @@
         </p:nvSpPr>
         <p:spPr>
           <a:xfrm>
-            <a:off x="9145748" y="5281463"/>
+            <a:off x="9145748" y="5715868"/>
             <a:ext cx="1415772" cy="584775"/>
           </a:xfrm>
           <a:prstGeom prst="rect">
@@ -19741,7 +20952,7 @@
         </p:nvSpPr>
         <p:spPr>
           <a:xfrm>
-            <a:off x="9350933" y="3598689"/>
+            <a:off x="9350933" y="4345007"/>
             <a:ext cx="1005403" cy="584775"/>
           </a:xfrm>
           <a:prstGeom prst="rect">
@@ -19769,7 +20980,7 @@
         </p:nvSpPr>
         <p:spPr>
           <a:xfrm>
-            <a:off x="8816332" y="1992945"/>
+            <a:off x="8816332" y="1694324"/>
             <a:ext cx="2074607" cy="584775"/>
           </a:xfrm>
           <a:prstGeom prst="rect">
@@ -19866,8 +21077,8 @@
         </p:nvSpPr>
         <p:spPr>
           <a:xfrm>
-            <a:off x="5425704" y="1900052"/>
-            <a:ext cx="1005403" cy="1077218"/>
+            <a:off x="5549978" y="1850865"/>
+            <a:ext cx="697627" cy="707886"/>
           </a:xfrm>
           <a:prstGeom prst="rect">
             <a:avLst/>
@@ -19882,14 +21093,14 @@
           <a:p>
             <a:pPr lvl="0"/>
             <a:r>
-              <a:rPr lang="zh-CN" altLang="en-US" sz="3200" dirty="0" smtClean="0">
+              <a:rPr lang="zh-CN" altLang="en-US" sz="2000" dirty="0" smtClean="0">
                 <a:solidFill>
                   <a:schemeClr val="bg1"/>
                 </a:solidFill>
               </a:rPr>
               <a:t>脚踏</a:t>
             </a:r>
-            <a:endParaRPr lang="en-US" altLang="zh-CN" sz="3200" dirty="0" smtClean="0">
+            <a:endParaRPr lang="en-US" altLang="zh-CN" sz="2000" dirty="0" smtClean="0">
               <a:solidFill>
                 <a:schemeClr val="bg1"/>
               </a:solidFill>
@@ -19898,14 +21109,14 @@
           <a:p>
             <a:pPr lvl="0"/>
             <a:r>
-              <a:rPr lang="zh-CN" altLang="en-US" sz="3200" dirty="0" smtClean="0">
+              <a:rPr lang="zh-CN" altLang="en-US" sz="2000" dirty="0" smtClean="0">
                 <a:solidFill>
                   <a:schemeClr val="bg1"/>
                 </a:solidFill>
               </a:rPr>
               <a:t>实地</a:t>
             </a:r>
-            <a:endParaRPr lang="zh-CN" altLang="en-US" sz="2400" dirty="0"/>
+            <a:endParaRPr lang="zh-CN" altLang="en-US" sz="1600" dirty="0"/>
           </a:p>
         </p:txBody>
       </p:sp>
@@ -19917,7 +21128,7 @@
         </p:nvSpPr>
         <p:spPr>
           <a:xfrm>
-            <a:off x="8236043" y="2503429"/>
+            <a:off x="8236043" y="2994537"/>
             <a:ext cx="3235181" cy="584775"/>
           </a:xfrm>
           <a:prstGeom prst="rect">
@@ -19942,6 +21153,41 @@
           </a:p>
         </p:txBody>
       </p:sp>
+      <p:sp>
+        <p:nvSpPr>
+          <p:cNvPr id="11" name="TextBox 6"/>
+          <p:cNvSpPr txBox="1"/>
+          <p:nvPr/>
+        </p:nvSpPr>
+        <p:spPr>
+          <a:xfrm>
+            <a:off x="4985720" y="3003533"/>
+            <a:ext cx="1826141" cy="584775"/>
+          </a:xfrm>
+          <a:prstGeom prst="rect">
+            <a:avLst/>
+          </a:prstGeom>
+          <a:noFill/>
+        </p:spPr>
+        <p:txBody>
+          <a:bodyPr wrap="none" rtlCol="0">
+            <a:spAutoFit/>
+          </a:bodyPr>
+          <a:lstStyle/>
+          <a:p>
+            <a:pPr lvl="0"/>
+            <a:r>
+              <a:rPr lang="zh-CN" altLang="en-US" sz="3200" dirty="0" smtClean="0">
+                <a:solidFill>
+                  <a:schemeClr val="bg1"/>
+                </a:solidFill>
+              </a:rPr>
+              <a:t>跟风炒作</a:t>
+            </a:r>
+            <a:endParaRPr lang="zh-CN" altLang="en-US" sz="2400" dirty="0"/>
+          </a:p>
+        </p:txBody>
+      </p:sp>
     </p:spTree>
     <p:extLst>
       <p:ext uri="{BB962C8B-B14F-4D97-AF65-F5344CB8AC3E}">
@@ -19962,7 +21208,7 @@
 </p:sld>
 </file>
 
-<file path=ppt/slides/slide23.xml><?xml version="1.0" encoding="utf-8"?>
+<file path=ppt/slides/slide24.xml><?xml version="1.0" encoding="utf-8"?>
 <p:sld xmlns:a="http://schemas.openxmlformats.org/drawingml/2006/main" xmlns:r="http://schemas.openxmlformats.org/officeDocument/2006/relationships" xmlns:p="http://schemas.openxmlformats.org/presentationml/2006/main">
   <p:cSld>
     <p:spTree>
@@ -20003,7 +21249,7 @@
             <a:fld id="{5DD3DB80-B894-403A-B48E-6FDC1A72010E}" type="slidenum">
               <a:rPr lang="zh-CN" altLang="en-US" smtClean="0"/>
               <a:pPr/>
-              <a:t>23</a:t>
+              <a:t>24</a:t>
             </a:fld>
             <a:endParaRPr lang="zh-CN" altLang="en-US"/>
           </a:p>
@@ -22098,7 +23344,7 @@
 </p:sld>
 </file>
 
-<file path=ppt/slides/slide24.xml><?xml version="1.0" encoding="utf-8"?>
+<file path=ppt/slides/slide25.xml><?xml version="1.0" encoding="utf-8"?>
 <p:sld xmlns:a="http://schemas.openxmlformats.org/drawingml/2006/main" xmlns:r="http://schemas.openxmlformats.org/officeDocument/2006/relationships" xmlns:p="http://schemas.openxmlformats.org/presentationml/2006/main">
   <p:cSld>
     <p:spTree>
@@ -22178,7 +23424,7 @@
             <a:fld id="{5DD3DB80-B894-403A-B48E-6FDC1A72010E}" type="slidenum">
               <a:rPr lang="zh-CN" altLang="en-US" smtClean="0"/>
               <a:pPr/>
-              <a:t>24</a:t>
+              <a:t>25</a:t>
             </a:fld>
             <a:endParaRPr lang="zh-CN" altLang="en-US"/>
           </a:p>
@@ -24306,7 +25552,7 @@
 </p:sld>
 </file>
 
-<file path=ppt/slides/slide25.xml><?xml version="1.0" encoding="utf-8"?>
+<file path=ppt/slides/slide26.xml><?xml version="1.0" encoding="utf-8"?>
 <p:sld xmlns:a="http://schemas.openxmlformats.org/drawingml/2006/main" xmlns:r="http://schemas.openxmlformats.org/officeDocument/2006/relationships" xmlns:p="http://schemas.openxmlformats.org/presentationml/2006/main">
   <p:cSld>
     <p:spTree>
@@ -24347,7 +25593,7 @@
             <a:fld id="{5DD3DB80-B894-403A-B48E-6FDC1A72010E}" type="slidenum">
               <a:rPr lang="zh-CN" altLang="en-US" smtClean="0"/>
               <a:pPr/>
-              <a:t>25</a:t>
+              <a:t>26</a:t>
             </a:fld>
             <a:endParaRPr lang="zh-CN" altLang="en-US"/>
           </a:p>
@@ -24369,14 +25615,14 @@
             <p:ph sz="quarter" idx="13"/>
             <p:extLst>
               <p:ext uri="{D42A27DB-BD31-4B8C-83A1-F6EECF244321}">
-                <p14:modId xmlns:p14="http://schemas.microsoft.com/office/powerpoint/2010/main" val="2706643930"/>
+                <p14:modId xmlns:p14="http://schemas.microsoft.com/office/powerpoint/2010/main" val="1440294279"/>
               </p:ext>
             </p:extLst>
           </p:nvPr>
         </p:nvGraphicFramePr>
         <p:xfrm>
           <a:off x="5400000" y="1800000"/>
-          <a:ext cx="6480000" cy="2589638"/>
+          <a:ext cx="6480000" cy="3083414"/>
         </p:xfrm>
         <a:graphic>
           <a:graphicData uri="http://schemas.openxmlformats.org/drawingml/2006/table">
@@ -24695,7 +25941,15 @@
                             <a:schemeClr val="tx1"/>
                           </a:solidFill>
                         </a:rPr>
-                        <a:t>将供应链中的手续信息上链，缩短物流结转的时间，协作者理论上都是可信的</a:t>
+                        <a:t>将供应链中的手续信息上链，缩短物流结转的时间，协作者理论上都是可信</a:t>
+                      </a:r>
+                      <a:r>
+                        <a:rPr lang="zh-CN" altLang="en-US" b="0" dirty="0" smtClean="0">
+                          <a:solidFill>
+                            <a:schemeClr val="tx1"/>
+                          </a:solidFill>
+                        </a:rPr>
+                        <a:t>的。理论上讲不需要区块链也可以解决，使用了区块链之后可能速度更快。</a:t>
                       </a:r>
                       <a:endParaRPr lang="zh-CN" altLang="en-US" b="0" dirty="0">
                         <a:solidFill>
@@ -24889,8 +26143,13 @@
             <a:pPr algn="ctr"/>
             <a:r>
               <a:rPr lang="zh-CN" altLang="en-US" sz="3200" dirty="0"/>
-              <a:t>脚踏实地</a:t>
+              <a:t>跟</a:t>
             </a:r>
+            <a:r>
+              <a:rPr lang="zh-CN" altLang="en-US" sz="3200" dirty="0" smtClean="0"/>
+              <a:t>风炒作</a:t>
+            </a:r>
+            <a:endParaRPr lang="zh-CN" altLang="en-US" sz="3200" dirty="0"/>
           </a:p>
         </p:txBody>
       </p:sp>
@@ -25501,7 +26760,23 @@
                     <a:schemeClr val="tx1"/>
                   </a:solidFill>
                 </a:rPr>
-                <a:t>将供应链中的手续信息上链，缩短物流结转的时间</a:t>
+                <a:t>将供应链中</a:t>
+              </a:r>
+              <a:r>
+                <a:rPr lang="zh-CN" altLang="en-US" dirty="0" smtClean="0">
+                  <a:solidFill>
+                    <a:schemeClr val="tx1"/>
+                  </a:solidFill>
+                </a:rPr>
+                <a:t>的文件盖章等信息</a:t>
+              </a:r>
+              <a:r>
+                <a:rPr lang="zh-CN" altLang="en-US" dirty="0">
+                  <a:solidFill>
+                    <a:schemeClr val="tx1"/>
+                  </a:solidFill>
+                </a:rPr>
+                <a:t>上链，缩短物流结转的时间</a:t>
               </a:r>
             </a:p>
           </p:txBody>
@@ -26169,35 +27444,6 @@
           </p:txBody>
         </p:sp>
       </p:grpSp>
-      <p:sp>
-        <p:nvSpPr>
-          <p:cNvPr id="17" name="矩形 16"/>
-          <p:cNvSpPr/>
-          <p:nvPr/>
-        </p:nvSpPr>
-        <p:spPr>
-          <a:xfrm>
-            <a:off x="467384" y="1053117"/>
-            <a:ext cx="5032147" cy="369332"/>
-          </a:xfrm>
-          <a:prstGeom prst="rect">
-            <a:avLst/>
-          </a:prstGeom>
-        </p:spPr>
-        <p:txBody>
-          <a:bodyPr wrap="none">
-            <a:spAutoFit/>
-          </a:bodyPr>
-          <a:lstStyle/>
-          <a:p>
-            <a:r>
-              <a:rPr lang="zh-CN" altLang="en-US" dirty="0" smtClean="0"/>
-              <a:t>但避重就轻，选择了不涉及核心交易的数据上链</a:t>
-            </a:r>
-            <a:endParaRPr lang="zh-CN" altLang="en-US" dirty="0"/>
-          </a:p>
-        </p:txBody>
-      </p:sp>
     </p:spTree>
     <p:extLst>
       <p:ext uri="{BB962C8B-B14F-4D97-AF65-F5344CB8AC3E}">
@@ -26218,7 +27464,7 @@
 </p:sld>
 </file>
 
-<file path=ppt/slides/slide26.xml><?xml version="1.0" encoding="utf-8"?>
+<file path=ppt/slides/slide27.xml><?xml version="1.0" encoding="utf-8"?>
 <p:sld xmlns:a="http://schemas.openxmlformats.org/drawingml/2006/main" xmlns:r="http://schemas.openxmlformats.org/officeDocument/2006/relationships" xmlns:p="http://schemas.openxmlformats.org/presentationml/2006/main">
   <p:cSld>
     <p:spTree>
@@ -26259,7 +27505,7 @@
             <a:fld id="{5DD3DB80-B894-403A-B48E-6FDC1A72010E}" type="slidenum">
               <a:rPr lang="zh-CN" altLang="en-US" smtClean="0"/>
               <a:pPr/>
-              <a:t>26</a:t>
+              <a:t>27</a:t>
             </a:fld>
             <a:endParaRPr lang="zh-CN" altLang="en-US"/>
           </a:p>
@@ -28223,7 +29469,7 @@
 </p:sld>
 </file>
 
-<file path=ppt/slides/slide27.xml><?xml version="1.0" encoding="utf-8"?>
+<file path=ppt/slides/slide28.xml><?xml version="1.0" encoding="utf-8"?>
 <p:sld xmlns:a="http://schemas.openxmlformats.org/drawingml/2006/main" xmlns:r="http://schemas.openxmlformats.org/officeDocument/2006/relationships" xmlns:p="http://schemas.openxmlformats.org/presentationml/2006/main">
   <p:cSld>
     <p:spTree>
@@ -28580,7 +29826,7 @@
 </p:sld>
 </file>
 
-<file path=ppt/slides/slide28.xml><?xml version="1.0" encoding="utf-8"?>
+<file path=ppt/slides/slide29.xml><?xml version="1.0" encoding="utf-8"?>
 <p:sld xmlns:a="http://schemas.openxmlformats.org/drawingml/2006/main" xmlns:r="http://schemas.openxmlformats.org/officeDocument/2006/relationships" xmlns:p="http://schemas.openxmlformats.org/presentationml/2006/main">
   <p:cSld>
     <p:spTree>
@@ -28673,7 +29919,7 @@
             <a:fld id="{5DD3DB80-B894-403A-B48E-6FDC1A72010E}" type="slidenum">
               <a:rPr lang="zh-CN" altLang="en-US" smtClean="0"/>
               <a:pPr/>
-              <a:t>28</a:t>
+              <a:t>29</a:t>
             </a:fld>
             <a:endParaRPr lang="zh-CN" altLang="en-US"/>
           </a:p>
@@ -29477,7 +30723,142 @@
 </p:sld>
 </file>
 
-<file path=ppt/slides/slide29.xml><?xml version="1.0" encoding="utf-8"?>
+<file path=ppt/slides/slide3.xml><?xml version="1.0" encoding="utf-8"?>
+<p:sld xmlns:a="http://schemas.openxmlformats.org/drawingml/2006/main" xmlns:r="http://schemas.openxmlformats.org/officeDocument/2006/relationships" xmlns:p="http://schemas.openxmlformats.org/presentationml/2006/main">
+  <p:cSld>
+    <p:spTree>
+      <p:nvGrpSpPr>
+        <p:cNvPr id="1" name=""/>
+        <p:cNvGrpSpPr/>
+        <p:nvPr/>
+      </p:nvGrpSpPr>
+      <p:grpSpPr>
+        <a:xfrm>
+          <a:off x="0" y="0"/>
+          <a:ext cx="0" cy="0"/>
+          <a:chOff x="0" y="0"/>
+          <a:chExt cx="0" cy="0"/>
+        </a:xfrm>
+      </p:grpSpPr>
+      <p:sp>
+        <p:nvSpPr>
+          <p:cNvPr id="6" name="标题 5">
+            <a:extLst>
+              <a:ext uri="{FF2B5EF4-FFF2-40B4-BE49-F238E27FC236}">
+                <a16:creationId xmlns="" xmlns:a16="http://schemas.microsoft.com/office/drawing/2014/main" id="{E65D722E-0CC6-43D3-91FE-65ADFFB36C5B}"/>
+              </a:ext>
+            </a:extLst>
+          </p:cNvPr>
+          <p:cNvSpPr>
+            <a:spLocks noGrp="1"/>
+          </p:cNvSpPr>
+          <p:nvPr>
+            <p:ph type="title"/>
+          </p:nvPr>
+        </p:nvSpPr>
+        <p:spPr/>
+        <p:txBody>
+          <a:bodyPr>
+            <a:normAutofit/>
+          </a:bodyPr>
+          <a:lstStyle/>
+          <a:p>
+            <a:r>
+              <a:rPr lang="zh-CN" altLang="en-US" sz="5400" dirty="0">
+                <a:solidFill>
+                  <a:schemeClr val="bg1"/>
+                </a:solidFill>
+                <a:latin typeface="+mn-lt"/>
+                <a:ea typeface="+mn-ea"/>
+                <a:cs typeface="+mn-ea"/>
+                <a:sym typeface="+mn-lt"/>
+              </a:rPr>
+              <a:t>区块链全局分析</a:t>
+            </a:r>
+          </a:p>
+        </p:txBody>
+      </p:sp>
+      <p:sp>
+        <p:nvSpPr>
+          <p:cNvPr id="4" name="文本占位符 3"/>
+          <p:cNvSpPr>
+            <a:spLocks noGrp="1"/>
+          </p:cNvSpPr>
+          <p:nvPr>
+            <p:ph type="body" idx="1"/>
+          </p:nvPr>
+        </p:nvSpPr>
+        <p:spPr/>
+        <p:txBody>
+          <a:bodyPr/>
+          <a:lstStyle/>
+          <a:p>
+            <a:endParaRPr lang="zh-CN" altLang="en-US"/>
+          </a:p>
+        </p:txBody>
+      </p:sp>
+      <p:sp>
+        <p:nvSpPr>
+          <p:cNvPr id="3" name="灯片编号占位符 2">
+            <a:extLst>
+              <a:ext uri="{FF2B5EF4-FFF2-40B4-BE49-F238E27FC236}">
+                <a16:creationId xmlns="" xmlns:a16="http://schemas.microsoft.com/office/drawing/2014/main" id="{41408343-D7D8-4F21-9EF8-FE6C4915BA8B}"/>
+              </a:ext>
+            </a:extLst>
+          </p:cNvPr>
+          <p:cNvSpPr>
+            <a:spLocks noGrp="1"/>
+          </p:cNvSpPr>
+          <p:nvPr>
+            <p:ph type="sldNum" sz="quarter" idx="4294967295"/>
+          </p:nvPr>
+        </p:nvSpPr>
+        <p:spPr>
+          <a:xfrm>
+            <a:off x="9282113" y="6240463"/>
+            <a:ext cx="2909887" cy="206375"/>
+          </a:xfrm>
+        </p:spPr>
+        <p:txBody>
+          <a:bodyPr/>
+          <a:lstStyle/>
+          <a:p>
+            <a:fld id="{5DD3DB80-B894-403A-B48E-6FDC1A72010E}" type="slidenum">
+              <a:rPr lang="zh-CN" altLang="en-US" smtClean="0">
+                <a:cs typeface="+mn-ea"/>
+                <a:sym typeface="+mn-lt"/>
+              </a:rPr>
+              <a:pPr/>
+              <a:t>3</a:t>
+            </a:fld>
+            <a:endParaRPr lang="zh-CN" altLang="en-US">
+              <a:cs typeface="+mn-ea"/>
+              <a:sym typeface="+mn-lt"/>
+            </a:endParaRPr>
+          </a:p>
+        </p:txBody>
+      </p:sp>
+    </p:spTree>
+    <p:extLst>
+      <p:ext uri="{BB962C8B-B14F-4D97-AF65-F5344CB8AC3E}">
+        <p14:creationId xmlns:p14="http://schemas.microsoft.com/office/powerpoint/2010/main" val="563056067"/>
+      </p:ext>
+    </p:extLst>
+  </p:cSld>
+  <p:clrMapOvr>
+    <a:masterClrMapping/>
+  </p:clrMapOvr>
+  <p:timing>
+    <p:tnLst>
+      <p:par>
+        <p:cTn id="1" dur="indefinite" restart="never" nodeType="tmRoot"/>
+      </p:par>
+    </p:tnLst>
+  </p:timing>
+</p:sld>
+</file>
+
+<file path=ppt/slides/slide30.xml><?xml version="1.0" encoding="utf-8"?>
 <p:sld xmlns:a="http://schemas.openxmlformats.org/drawingml/2006/main" xmlns:r="http://schemas.openxmlformats.org/officeDocument/2006/relationships" xmlns:p="http://schemas.openxmlformats.org/presentationml/2006/main">
   <p:cSld>
     <p:spTree>
@@ -29710,142 +31091,7 @@
 </p:sld>
 </file>
 
-<file path=ppt/slides/slide3.xml><?xml version="1.0" encoding="utf-8"?>
-<p:sld xmlns:a="http://schemas.openxmlformats.org/drawingml/2006/main" xmlns:r="http://schemas.openxmlformats.org/officeDocument/2006/relationships" xmlns:p="http://schemas.openxmlformats.org/presentationml/2006/main">
-  <p:cSld>
-    <p:spTree>
-      <p:nvGrpSpPr>
-        <p:cNvPr id="1" name=""/>
-        <p:cNvGrpSpPr/>
-        <p:nvPr/>
-      </p:nvGrpSpPr>
-      <p:grpSpPr>
-        <a:xfrm>
-          <a:off x="0" y="0"/>
-          <a:ext cx="0" cy="0"/>
-          <a:chOff x="0" y="0"/>
-          <a:chExt cx="0" cy="0"/>
-        </a:xfrm>
-      </p:grpSpPr>
-      <p:sp>
-        <p:nvSpPr>
-          <p:cNvPr id="6" name="标题 5">
-            <a:extLst>
-              <a:ext uri="{FF2B5EF4-FFF2-40B4-BE49-F238E27FC236}">
-                <a16:creationId xmlns="" xmlns:a16="http://schemas.microsoft.com/office/drawing/2014/main" id="{E65D722E-0CC6-43D3-91FE-65ADFFB36C5B}"/>
-              </a:ext>
-            </a:extLst>
-          </p:cNvPr>
-          <p:cNvSpPr>
-            <a:spLocks noGrp="1"/>
-          </p:cNvSpPr>
-          <p:nvPr>
-            <p:ph type="title"/>
-          </p:nvPr>
-        </p:nvSpPr>
-        <p:spPr/>
-        <p:txBody>
-          <a:bodyPr>
-            <a:normAutofit/>
-          </a:bodyPr>
-          <a:lstStyle/>
-          <a:p>
-            <a:r>
-              <a:rPr lang="zh-CN" altLang="en-US" sz="5400" dirty="0">
-                <a:solidFill>
-                  <a:schemeClr val="bg1"/>
-                </a:solidFill>
-                <a:latin typeface="+mn-lt"/>
-                <a:ea typeface="+mn-ea"/>
-                <a:cs typeface="+mn-ea"/>
-                <a:sym typeface="+mn-lt"/>
-              </a:rPr>
-              <a:t>区块链全局分析</a:t>
-            </a:r>
-          </a:p>
-        </p:txBody>
-      </p:sp>
-      <p:sp>
-        <p:nvSpPr>
-          <p:cNvPr id="4" name="文本占位符 3"/>
-          <p:cNvSpPr>
-            <a:spLocks noGrp="1"/>
-          </p:cNvSpPr>
-          <p:nvPr>
-            <p:ph type="body" idx="1"/>
-          </p:nvPr>
-        </p:nvSpPr>
-        <p:spPr/>
-        <p:txBody>
-          <a:bodyPr/>
-          <a:lstStyle/>
-          <a:p>
-            <a:endParaRPr lang="zh-CN" altLang="en-US"/>
-          </a:p>
-        </p:txBody>
-      </p:sp>
-      <p:sp>
-        <p:nvSpPr>
-          <p:cNvPr id="3" name="灯片编号占位符 2">
-            <a:extLst>
-              <a:ext uri="{FF2B5EF4-FFF2-40B4-BE49-F238E27FC236}">
-                <a16:creationId xmlns="" xmlns:a16="http://schemas.microsoft.com/office/drawing/2014/main" id="{41408343-D7D8-4F21-9EF8-FE6C4915BA8B}"/>
-              </a:ext>
-            </a:extLst>
-          </p:cNvPr>
-          <p:cNvSpPr>
-            <a:spLocks noGrp="1"/>
-          </p:cNvSpPr>
-          <p:nvPr>
-            <p:ph type="sldNum" sz="quarter" idx="4294967295"/>
-          </p:nvPr>
-        </p:nvSpPr>
-        <p:spPr>
-          <a:xfrm>
-            <a:off x="9282113" y="6240463"/>
-            <a:ext cx="2909887" cy="206375"/>
-          </a:xfrm>
-        </p:spPr>
-        <p:txBody>
-          <a:bodyPr/>
-          <a:lstStyle/>
-          <a:p>
-            <a:fld id="{5DD3DB80-B894-403A-B48E-6FDC1A72010E}" type="slidenum">
-              <a:rPr lang="zh-CN" altLang="en-US" smtClean="0">
-                <a:cs typeface="+mn-ea"/>
-                <a:sym typeface="+mn-lt"/>
-              </a:rPr>
-              <a:pPr/>
-              <a:t>3</a:t>
-            </a:fld>
-            <a:endParaRPr lang="zh-CN" altLang="en-US">
-              <a:cs typeface="+mn-ea"/>
-              <a:sym typeface="+mn-lt"/>
-            </a:endParaRPr>
-          </a:p>
-        </p:txBody>
-      </p:sp>
-    </p:spTree>
-    <p:extLst>
-      <p:ext uri="{BB962C8B-B14F-4D97-AF65-F5344CB8AC3E}">
-        <p14:creationId xmlns:p14="http://schemas.microsoft.com/office/powerpoint/2010/main" val="563056067"/>
-      </p:ext>
-    </p:extLst>
-  </p:cSld>
-  <p:clrMapOvr>
-    <a:masterClrMapping/>
-  </p:clrMapOvr>
-  <p:timing>
-    <p:tnLst>
-      <p:par>
-        <p:cTn id="1" dur="indefinite" restart="never" nodeType="tmRoot"/>
-      </p:par>
-    </p:tnLst>
-  </p:timing>
-</p:sld>
-</file>
-
-<file path=ppt/slides/slide30.xml><?xml version="1.0" encoding="utf-8"?>
+<file path=ppt/slides/slide31.xml><?xml version="1.0" encoding="utf-8"?>
 <p:sld xmlns:a="http://schemas.openxmlformats.org/drawingml/2006/main" xmlns:r="http://schemas.openxmlformats.org/officeDocument/2006/relationships" xmlns:p="http://schemas.openxmlformats.org/presentationml/2006/main">
   <p:cSld>
     <p:spTree>
@@ -30603,7 +31849,21 @@
                 <a:cs typeface="+mn-ea"/>
                 <a:sym typeface="+mn-lt"/>
               </a:rPr>
-              <a:t>建立一种共识机制，参加即默认接受共识，系统自动控制他们遵守规则和约束。</a:t>
+              <a:t>建立一种共识机制，</a:t>
+            </a:r>
+            <a:r>
+              <a:rPr lang="zh-CN" altLang="en-US" sz="2000" b="1" dirty="0" smtClean="0">
+                <a:cs typeface="+mn-ea"/>
+                <a:sym typeface="+mn-lt"/>
+              </a:rPr>
+              <a:t>参加者默认</a:t>
+            </a:r>
+            <a:r>
+              <a:rPr lang="zh-CN" altLang="en-US" sz="2000" b="1" dirty="0">
+                <a:cs typeface="+mn-ea"/>
+                <a:sym typeface="+mn-lt"/>
+              </a:rPr>
+              <a:t>接受共识，系统自动控制他们遵守规则和约束。</a:t>
             </a:r>
             <a:endParaRPr lang="en-US" altLang="zh-CN" sz="2000" b="1" dirty="0">
               <a:cs typeface="+mn-ea"/>
@@ -32995,7 +34255,7 @@
               <a:t>：</a:t>
             </a:r>
             <a:r>
-              <a:rPr lang="en-US" altLang="zh-CN" sz="2000" i="1" dirty="0" err="1"/>
+              <a:rPr lang="en-US" altLang="zh-CN" sz="2000" dirty="0" err="1"/>
               <a:t>Hyperledger</a:t>
             </a:r>
             <a:endParaRPr lang="en-US" altLang="zh-CN" sz="2000" dirty="0">
@@ -45461,6 +46721,12 @@
 </p:tagLst>
 </file>
 
+<file path=ppt/tags/tag3.xml><?xml version="1.0" encoding="utf-8"?>
+<p:tagLst xmlns:a="http://schemas.openxmlformats.org/drawingml/2006/main" xmlns:r="http://schemas.openxmlformats.org/officeDocument/2006/relationships" xmlns:p="http://schemas.openxmlformats.org/presentationml/2006/main">
+  <p:tag name="ISLIDE.DIAGRAM" val="99df9b78-0bad-45b2-a47b-2cded0ae7740"/>
+</p:tagLst>
+</file>
+
 <file path=ppt/theme/theme1.xml><?xml version="1.0" encoding="utf-8"?>
 <a:theme xmlns:a="http://schemas.openxmlformats.org/drawingml/2006/main" name="主题5">
   <a:themeElements>
